--- a/lecture1_103636.pptx
+++ b/lecture1_103636.pptx
@@ -165,6 +165,36 @@
       </a:defRPr>
     </a:lvl9pPr>
   </p:defaultTextStyle>
+  <p:extLst>
+    <p:ext uri="{EFAFB233-063F-42B5-8137-9DF3F51BA10A}">
+      <p15:sldGuideLst xmlns:p15="http://schemas.microsoft.com/office/powerpoint/2012/main">
+        <p15:guide id="1" orient="horz" pos="2160">
+          <p15:clr>
+            <a:srgbClr val="A4A3A4"/>
+          </p15:clr>
+        </p15:guide>
+        <p15:guide id="2" pos="2880">
+          <p15:clr>
+            <a:srgbClr val="A4A3A4"/>
+          </p15:clr>
+        </p15:guide>
+      </p15:sldGuideLst>
+    </p:ext>
+    <p:ext uri="{2D200454-40CA-4A62-9FC3-DE9A4176ACB9}">
+      <p15:notesGuideLst xmlns:p15="http://schemas.microsoft.com/office/powerpoint/2012/main">
+        <p15:guide id="1" orient="horz" pos="2872">
+          <p15:clr>
+            <a:srgbClr val="A4A3A4"/>
+          </p15:clr>
+        </p15:guide>
+        <p15:guide id="2" pos="2152">
+          <p15:clr>
+            <a:srgbClr val="A4A3A4"/>
+          </p15:clr>
+        </p15:guide>
+      </p15:notesGuideLst>
+    </p:ext>
+  </p:extLst>
 </p:presentation>
 </file>
 
@@ -216,11 +246,6 @@
             <a:noFill/>
           </a:ln>
           <a:effectLst/>
-          <a:extLst>
-            <a:ext uri="{909E8E84-426E-40DD-AFC4-6F175D3DCCD1}"/>
-            <a:ext uri="{91240B29-F687-4F45-9708-019B960494DF}"/>
-            <a:ext uri="{AF507438-7753-43E0-B8FC-AC1667EBCBE1}"/>
-          </a:extLst>
         </p:spPr>
         <p:txBody>
           <a:bodyPr vert="horz" wrap="square" lIns="91129" tIns="45565" rIns="91129" bIns="45565" numCol="1" anchor="t" anchorCtr="0" compatLnSpc="1">
@@ -266,11 +291,6 @@
             <a:noFill/>
           </a:ln>
           <a:effectLst/>
-          <a:extLst>
-            <a:ext uri="{909E8E84-426E-40DD-AFC4-6F175D3DCCD1}"/>
-            <a:ext uri="{91240B29-F687-4F45-9708-019B960494DF}"/>
-            <a:ext uri="{AF507438-7753-43E0-B8FC-AC1667EBCBE1}"/>
-          </a:extLst>
         </p:spPr>
         <p:txBody>
           <a:bodyPr vert="horz" wrap="square" lIns="91129" tIns="45565" rIns="91129" bIns="45565" numCol="1" anchor="t" anchorCtr="0" compatLnSpc="1">
@@ -316,11 +336,6 @@
             <a:noFill/>
           </a:ln>
           <a:effectLst/>
-          <a:extLst>
-            <a:ext uri="{909E8E84-426E-40DD-AFC4-6F175D3DCCD1}"/>
-            <a:ext uri="{91240B29-F687-4F45-9708-019B960494DF}"/>
-            <a:ext uri="{AF507438-7753-43E0-B8FC-AC1667EBCBE1}"/>
-          </a:extLst>
         </p:spPr>
         <p:txBody>
           <a:bodyPr vert="horz" wrap="square" lIns="91129" tIns="45565" rIns="91129" bIns="45565" numCol="1" anchor="b" anchorCtr="0" compatLnSpc="1">
@@ -366,11 +381,6 @@
             <a:noFill/>
           </a:ln>
           <a:effectLst/>
-          <a:extLst>
-            <a:ext uri="{909E8E84-426E-40DD-AFC4-6F175D3DCCD1}"/>
-            <a:ext uri="{91240B29-F687-4F45-9708-019B960494DF}"/>
-            <a:ext uri="{AF507438-7753-43E0-B8FC-AC1667EBCBE1}"/>
-          </a:extLst>
         </p:spPr>
         <p:txBody>
           <a:bodyPr vert="horz" wrap="square" lIns="91129" tIns="45565" rIns="91129" bIns="45565" numCol="1" anchor="b" anchorCtr="0" compatLnSpc="1">
@@ -401,6 +411,11 @@
         </p:txBody>
       </p:sp>
     </p:spTree>
+    <p:extLst>
+      <p:ext uri="{BB962C8B-B14F-4D97-AF65-F5344CB8AC3E}">
+        <p14:creationId xmlns:p14="http://schemas.microsoft.com/office/powerpoint/2010/main" val="1"/>
+      </p:ext>
+    </p:extLst>
   </p:cSld>
   <p:clrMap bg1="lt1" tx1="dk1" bg2="lt2" tx2="dk2" accent1="accent1" accent2="accent2" accent3="accent3" accent4="accent4" accent5="accent5" accent6="accent6" hlink="hlink" folHlink="folHlink"/>
 </p:handoutMaster>
@@ -454,11 +469,6 @@
             <a:noFill/>
           </a:ln>
           <a:effectLst/>
-          <a:extLst>
-            <a:ext uri="{909E8E84-426E-40DD-AFC4-6F175D3DCCD1}"/>
-            <a:ext uri="{91240B29-F687-4F45-9708-019B960494DF}"/>
-            <a:ext uri="{AF507438-7753-43E0-B8FC-AC1667EBCBE1}"/>
-          </a:extLst>
         </p:spPr>
         <p:txBody>
           <a:bodyPr vert="horz" wrap="square" lIns="91129" tIns="45565" rIns="91129" bIns="45565" numCol="1" anchor="t" anchorCtr="0" compatLnSpc="1">
@@ -504,11 +514,6 @@
             <a:noFill/>
           </a:ln>
           <a:effectLst/>
-          <a:extLst>
-            <a:ext uri="{909E8E84-426E-40DD-AFC4-6F175D3DCCD1}"/>
-            <a:ext uri="{91240B29-F687-4F45-9708-019B960494DF}"/>
-            <a:ext uri="{AF507438-7753-43E0-B8FC-AC1667EBCBE1}"/>
-          </a:extLst>
         </p:spPr>
         <p:txBody>
           <a:bodyPr vert="horz" wrap="square" lIns="91129" tIns="45565" rIns="91129" bIns="45565" numCol="1" anchor="t" anchorCtr="0" compatLnSpc="1">
@@ -583,11 +588,6 @@
             <a:noFill/>
           </a:ln>
           <a:effectLst/>
-          <a:extLst>
-            <a:ext uri="{909E8E84-426E-40DD-AFC4-6F175D3DCCD1}"/>
-            <a:ext uri="{91240B29-F687-4F45-9708-019B960494DF}"/>
-            <a:ext uri="{AF507438-7753-43E0-B8FC-AC1667EBCBE1}"/>
-          </a:extLst>
         </p:spPr>
         <p:txBody>
           <a:bodyPr vert="horz" wrap="square" lIns="91129" tIns="45565" rIns="91129" bIns="45565" numCol="1" anchor="t" anchorCtr="0" compatLnSpc="1">
@@ -599,35 +599,35 @@
           <a:p>
             <a:pPr lvl="0"/>
             <a:r>
-              <a:rPr lang="en-US" noProof="0" smtClean="0"/>
+              <a:rPr lang="en-US" noProof="0"/>
               <a:t>Click to edit Master text styles</a:t>
             </a:r>
           </a:p>
           <a:p>
             <a:pPr lvl="1"/>
             <a:r>
-              <a:rPr lang="en-US" noProof="0" smtClean="0"/>
+              <a:rPr lang="en-US" noProof="0"/>
               <a:t>Second level</a:t>
             </a:r>
           </a:p>
           <a:p>
             <a:pPr lvl="2"/>
             <a:r>
-              <a:rPr lang="en-US" noProof="0" smtClean="0"/>
+              <a:rPr lang="en-US" noProof="0"/>
               <a:t>Third level</a:t>
             </a:r>
           </a:p>
           <a:p>
             <a:pPr lvl="3"/>
             <a:r>
-              <a:rPr lang="en-US" noProof="0" smtClean="0"/>
+              <a:rPr lang="en-US" noProof="0"/>
               <a:t>Fourth level</a:t>
             </a:r>
           </a:p>
           <a:p>
             <a:pPr lvl="4"/>
             <a:r>
-              <a:rPr lang="en-US" noProof="0" smtClean="0"/>
+              <a:rPr lang="en-US" noProof="0"/>
               <a:t>Fifth level</a:t>
             </a:r>
           </a:p>
@@ -656,11 +656,6 @@
             <a:noFill/>
           </a:ln>
           <a:effectLst/>
-          <a:extLst>
-            <a:ext uri="{909E8E84-426E-40DD-AFC4-6F175D3DCCD1}"/>
-            <a:ext uri="{91240B29-F687-4F45-9708-019B960494DF}"/>
-            <a:ext uri="{AF507438-7753-43E0-B8FC-AC1667EBCBE1}"/>
-          </a:extLst>
         </p:spPr>
         <p:txBody>
           <a:bodyPr vert="horz" wrap="square" lIns="91129" tIns="45565" rIns="91129" bIns="45565" numCol="1" anchor="b" anchorCtr="0" compatLnSpc="1">
@@ -706,11 +701,6 @@
             <a:noFill/>
           </a:ln>
           <a:effectLst/>
-          <a:extLst>
-            <a:ext uri="{909E8E84-426E-40DD-AFC4-6F175D3DCCD1}"/>
-            <a:ext uri="{91240B29-F687-4F45-9708-019B960494DF}"/>
-            <a:ext uri="{AF507438-7753-43E0-B8FC-AC1667EBCBE1}"/>
-          </a:extLst>
         </p:spPr>
         <p:txBody>
           <a:bodyPr vert="horz" wrap="square" lIns="91129" tIns="45565" rIns="91129" bIns="45565" numCol="1" anchor="b" anchorCtr="0" compatLnSpc="1">
@@ -1260,7 +1250,7 @@
           <a:p>
             <a:pPr lvl="0"/>
             <a:r>
-              <a:rPr lang="en-US" noProof="0" smtClean="0"/>
+              <a:rPr lang="en-US" noProof="0"/>
               <a:t>Click to edit Master title style</a:t>
             </a:r>
           </a:p>
@@ -1294,7 +1284,7 @@
           <a:p>
             <a:pPr lvl="0"/>
             <a:r>
-              <a:rPr lang="en-US" noProof="0" smtClean="0"/>
+              <a:rPr lang="en-US" noProof="0"/>
               <a:t>Click to edit Master subtitle style</a:t>
             </a:r>
           </a:p>
@@ -1336,7 +1326,7 @@
               <a:pPr>
                 <a:defRPr/>
               </a:pPr>
-              <a:t>September 11, 2025</a:t>
+              <a:t>October 1, 2025</a:t>
             </a:fld>
             <a:endParaRPr lang="en-US"/>
           </a:p>
@@ -1463,10 +1453,9 @@
           <a:lstStyle/>
           <a:p>
             <a:r>
-              <a:rPr lang="ar-SA" smtClean="0"/>
+              <a:rPr lang="ar-SA"/>
               <a:t>انقر لتحرير نمط العنوان الرئيسي</a:t>
             </a:r>
-            <a:endParaRPr lang="ar-SA"/>
           </a:p>
         </p:txBody>
       </p:sp>
@@ -1487,38 +1476,37 @@
           <a:p>
             <a:pPr lvl="0"/>
             <a:r>
-              <a:rPr lang="ar-SA" smtClean="0"/>
+              <a:rPr lang="ar-SA"/>
               <a:t>انقر لتحرير أنماط النص الرئيسي</a:t>
             </a:r>
           </a:p>
           <a:p>
             <a:pPr lvl="1"/>
             <a:r>
-              <a:rPr lang="ar-SA" smtClean="0"/>
+              <a:rPr lang="ar-SA"/>
               <a:t>المستوى الثاني</a:t>
             </a:r>
           </a:p>
           <a:p>
             <a:pPr lvl="2"/>
             <a:r>
-              <a:rPr lang="ar-SA" smtClean="0"/>
+              <a:rPr lang="ar-SA"/>
               <a:t>المستوى الثالث</a:t>
             </a:r>
           </a:p>
           <a:p>
             <a:pPr lvl="3"/>
             <a:r>
-              <a:rPr lang="ar-SA" smtClean="0"/>
+              <a:rPr lang="ar-SA"/>
               <a:t>المستوى الرابع</a:t>
             </a:r>
           </a:p>
           <a:p>
             <a:pPr lvl="4"/>
             <a:r>
-              <a:rPr lang="ar-SA" smtClean="0"/>
+              <a:rPr lang="ar-SA"/>
               <a:t>المستوى الخامس</a:t>
             </a:r>
-            <a:endParaRPr lang="ar-SA"/>
           </a:p>
         </p:txBody>
       </p:sp>
@@ -1551,7 +1539,7 @@
               <a:pPr>
                 <a:defRPr/>
               </a:pPr>
-              <a:t>September 11, 2025</a:t>
+              <a:t>October 1, 2025</a:t>
             </a:fld>
             <a:endParaRPr lang="en-US"/>
           </a:p>
@@ -1669,10 +1657,9 @@
           <a:lstStyle/>
           <a:p>
             <a:r>
-              <a:rPr lang="ar-SA" smtClean="0"/>
+              <a:rPr lang="ar-SA"/>
               <a:t>انقر لتحرير نمط العنوان الرئيسي</a:t>
             </a:r>
-            <a:endParaRPr lang="ar-SA"/>
           </a:p>
         </p:txBody>
       </p:sp>
@@ -1698,38 +1685,37 @@
           <a:p>
             <a:pPr lvl="0"/>
             <a:r>
-              <a:rPr lang="ar-SA" smtClean="0"/>
+              <a:rPr lang="ar-SA"/>
               <a:t>انقر لتحرير أنماط النص الرئيسي</a:t>
             </a:r>
           </a:p>
           <a:p>
             <a:pPr lvl="1"/>
             <a:r>
-              <a:rPr lang="ar-SA" smtClean="0"/>
+              <a:rPr lang="ar-SA"/>
               <a:t>المستوى الثاني</a:t>
             </a:r>
           </a:p>
           <a:p>
             <a:pPr lvl="2"/>
             <a:r>
-              <a:rPr lang="ar-SA" smtClean="0"/>
+              <a:rPr lang="ar-SA"/>
               <a:t>المستوى الثالث</a:t>
             </a:r>
           </a:p>
           <a:p>
             <a:pPr lvl="3"/>
             <a:r>
-              <a:rPr lang="ar-SA" smtClean="0"/>
+              <a:rPr lang="ar-SA"/>
               <a:t>المستوى الرابع</a:t>
             </a:r>
           </a:p>
           <a:p>
             <a:pPr lvl="4"/>
             <a:r>
-              <a:rPr lang="ar-SA" smtClean="0"/>
+              <a:rPr lang="ar-SA"/>
               <a:t>المستوى الخامس</a:t>
             </a:r>
-            <a:endParaRPr lang="ar-SA"/>
           </a:p>
         </p:txBody>
       </p:sp>
@@ -1762,7 +1748,7 @@
               <a:pPr>
                 <a:defRPr/>
               </a:pPr>
-              <a:t>September 11, 2025</a:t>
+              <a:t>October 1, 2025</a:t>
             </a:fld>
             <a:endParaRPr lang="en-US"/>
           </a:p>
@@ -1880,10 +1866,9 @@
           <a:lstStyle/>
           <a:p>
             <a:r>
-              <a:rPr lang="ar-SA" smtClean="0"/>
+              <a:rPr lang="ar-SA"/>
               <a:t>انقر لتحرير نمط العنوان الرئيسي</a:t>
             </a:r>
-            <a:endParaRPr lang="ar-SA"/>
           </a:p>
         </p:txBody>
       </p:sp>
@@ -1909,38 +1894,37 @@
           <a:p>
             <a:pPr lvl="0"/>
             <a:r>
-              <a:rPr lang="ar-SA" smtClean="0"/>
+              <a:rPr lang="ar-SA"/>
               <a:t>انقر لتحرير أنماط النص الرئيسي</a:t>
             </a:r>
           </a:p>
           <a:p>
             <a:pPr lvl="1"/>
             <a:r>
-              <a:rPr lang="ar-SA" smtClean="0"/>
+              <a:rPr lang="ar-SA"/>
               <a:t>المستوى الثاني</a:t>
             </a:r>
           </a:p>
           <a:p>
             <a:pPr lvl="2"/>
             <a:r>
-              <a:rPr lang="ar-SA" smtClean="0"/>
+              <a:rPr lang="ar-SA"/>
               <a:t>المستوى الثالث</a:t>
             </a:r>
           </a:p>
           <a:p>
             <a:pPr lvl="3"/>
             <a:r>
-              <a:rPr lang="ar-SA" smtClean="0"/>
+              <a:rPr lang="ar-SA"/>
               <a:t>المستوى الرابع</a:t>
             </a:r>
           </a:p>
           <a:p>
             <a:pPr lvl="4"/>
             <a:r>
-              <a:rPr lang="ar-SA" smtClean="0"/>
+              <a:rPr lang="ar-SA"/>
               <a:t>المستوى الخامس</a:t>
             </a:r>
-            <a:endParaRPr lang="ar-SA"/>
           </a:p>
         </p:txBody>
       </p:sp>
@@ -1973,7 +1957,7 @@
               <a:pPr>
                 <a:defRPr/>
               </a:pPr>
-              <a:t>September 11, 2025</a:t>
+              <a:t>October 1, 2025</a:t>
             </a:fld>
             <a:endParaRPr lang="en-US"/>
           </a:p>
@@ -2056,10 +2040,9 @@
           <a:lstStyle/>
           <a:p>
             <a:r>
-              <a:rPr lang="ar-SA" smtClean="0"/>
+              <a:rPr lang="ar-SA"/>
               <a:t>انقر لتحرير نمط العنوان الرئيسي</a:t>
             </a:r>
-            <a:endParaRPr lang="ar-SA"/>
           </a:p>
         </p:txBody>
       </p:sp>
@@ -2084,7 +2067,7 @@
           <a:lstStyle/>
           <a:p>
             <a:pPr lvl="0"/>
-            <a:endParaRPr lang="ar-SA" noProof="0" smtClean="0"/>
+            <a:endParaRPr lang="ar-SA" noProof="0"/>
           </a:p>
         </p:txBody>
       </p:sp>
@@ -2110,38 +2093,37 @@
           <a:p>
             <a:pPr lvl="0"/>
             <a:r>
-              <a:rPr lang="ar-SA" smtClean="0"/>
+              <a:rPr lang="ar-SA"/>
               <a:t>انقر لتحرير أنماط النص الرئيسي</a:t>
             </a:r>
           </a:p>
           <a:p>
             <a:pPr lvl="1"/>
             <a:r>
-              <a:rPr lang="ar-SA" smtClean="0"/>
+              <a:rPr lang="ar-SA"/>
               <a:t>المستوى الثاني</a:t>
             </a:r>
           </a:p>
           <a:p>
             <a:pPr lvl="2"/>
             <a:r>
-              <a:rPr lang="ar-SA" smtClean="0"/>
+              <a:rPr lang="ar-SA"/>
               <a:t>المستوى الثالث</a:t>
             </a:r>
           </a:p>
           <a:p>
             <a:pPr lvl="3"/>
             <a:r>
-              <a:rPr lang="ar-SA" smtClean="0"/>
+              <a:rPr lang="ar-SA"/>
               <a:t>المستوى الرابع</a:t>
             </a:r>
           </a:p>
           <a:p>
             <a:pPr lvl="4"/>
             <a:r>
-              <a:rPr lang="ar-SA" smtClean="0"/>
+              <a:rPr lang="ar-SA"/>
               <a:t>المستوى الخامس</a:t>
             </a:r>
-            <a:endParaRPr lang="ar-SA"/>
           </a:p>
         </p:txBody>
       </p:sp>
@@ -2174,7 +2156,7 @@
               <a:pPr>
                 <a:defRPr/>
               </a:pPr>
-              <a:t>September 11, 2025</a:t>
+              <a:t>October 1, 2025</a:t>
             </a:fld>
             <a:endParaRPr lang="en-US"/>
           </a:p>
@@ -2287,10 +2269,9 @@
           <a:lstStyle/>
           <a:p>
             <a:r>
-              <a:rPr lang="ar-SA" smtClean="0"/>
+              <a:rPr lang="ar-SA"/>
               <a:t>انقر لتحرير نمط العنوان الرئيسي</a:t>
             </a:r>
-            <a:endParaRPr lang="ar-SA"/>
           </a:p>
         </p:txBody>
       </p:sp>
@@ -2311,38 +2292,37 @@
           <a:p>
             <a:pPr lvl="0"/>
             <a:r>
-              <a:rPr lang="ar-SA" smtClean="0"/>
+              <a:rPr lang="ar-SA"/>
               <a:t>انقر لتحرير أنماط النص الرئيسي</a:t>
             </a:r>
           </a:p>
           <a:p>
             <a:pPr lvl="1"/>
             <a:r>
-              <a:rPr lang="ar-SA" smtClean="0"/>
+              <a:rPr lang="ar-SA"/>
               <a:t>المستوى الثاني</a:t>
             </a:r>
           </a:p>
           <a:p>
             <a:pPr lvl="2"/>
             <a:r>
-              <a:rPr lang="ar-SA" smtClean="0"/>
+              <a:rPr lang="ar-SA"/>
               <a:t>المستوى الثالث</a:t>
             </a:r>
           </a:p>
           <a:p>
             <a:pPr lvl="3"/>
             <a:r>
-              <a:rPr lang="ar-SA" smtClean="0"/>
+              <a:rPr lang="ar-SA"/>
               <a:t>المستوى الرابع</a:t>
             </a:r>
           </a:p>
           <a:p>
             <a:pPr lvl="4"/>
             <a:r>
-              <a:rPr lang="ar-SA" smtClean="0"/>
+              <a:rPr lang="ar-SA"/>
               <a:t>المستوى الخامس</a:t>
             </a:r>
-            <a:endParaRPr lang="ar-SA"/>
           </a:p>
         </p:txBody>
       </p:sp>
@@ -2375,7 +2355,7 @@
               <a:pPr>
                 <a:defRPr/>
               </a:pPr>
-              <a:t>September 11, 2025</a:t>
+              <a:t>October 1, 2025</a:t>
             </a:fld>
             <a:endParaRPr lang="en-US"/>
           </a:p>
@@ -2497,10 +2477,9 @@
           </a:lstStyle>
           <a:p>
             <a:r>
-              <a:rPr lang="ar-SA" smtClean="0"/>
+              <a:rPr lang="ar-SA"/>
               <a:t>انقر لتحرير نمط العنوان الرئيسي</a:t>
             </a:r>
-            <a:endParaRPr lang="ar-SA"/>
           </a:p>
         </p:txBody>
       </p:sp>
@@ -2563,7 +2542,7 @@
           <a:p>
             <a:pPr lvl="0"/>
             <a:r>
-              <a:rPr lang="ar-SA" smtClean="0"/>
+              <a:rPr lang="ar-SA"/>
               <a:t>انقر لتحرير أنماط النص الرئيسي</a:t>
             </a:r>
           </a:p>
@@ -2598,7 +2577,7 @@
               <a:pPr>
                 <a:defRPr/>
               </a:pPr>
-              <a:t>September 11, 2025</a:t>
+              <a:t>October 1, 2025</a:t>
             </a:fld>
             <a:endParaRPr lang="en-US"/>
           </a:p>
@@ -2711,10 +2690,9 @@
           <a:lstStyle/>
           <a:p>
             <a:r>
-              <a:rPr lang="ar-SA" smtClean="0"/>
+              <a:rPr lang="ar-SA"/>
               <a:t>انقر لتحرير نمط العنوان الرئيسي</a:t>
             </a:r>
-            <a:endParaRPr lang="ar-SA"/>
           </a:p>
         </p:txBody>
       </p:sp>
@@ -2768,38 +2746,37 @@
           <a:p>
             <a:pPr lvl="0"/>
             <a:r>
-              <a:rPr lang="ar-SA" smtClean="0"/>
+              <a:rPr lang="ar-SA"/>
               <a:t>انقر لتحرير أنماط النص الرئيسي</a:t>
             </a:r>
           </a:p>
           <a:p>
             <a:pPr lvl="1"/>
             <a:r>
-              <a:rPr lang="ar-SA" smtClean="0"/>
+              <a:rPr lang="ar-SA"/>
               <a:t>المستوى الثاني</a:t>
             </a:r>
           </a:p>
           <a:p>
             <a:pPr lvl="2"/>
             <a:r>
-              <a:rPr lang="ar-SA" smtClean="0"/>
+              <a:rPr lang="ar-SA"/>
               <a:t>المستوى الثالث</a:t>
             </a:r>
           </a:p>
           <a:p>
             <a:pPr lvl="3"/>
             <a:r>
-              <a:rPr lang="ar-SA" smtClean="0"/>
+              <a:rPr lang="ar-SA"/>
               <a:t>المستوى الرابع</a:t>
             </a:r>
           </a:p>
           <a:p>
             <a:pPr lvl="4"/>
             <a:r>
-              <a:rPr lang="ar-SA" smtClean="0"/>
+              <a:rPr lang="ar-SA"/>
               <a:t>المستوى الخامس</a:t>
             </a:r>
-            <a:endParaRPr lang="ar-SA"/>
           </a:p>
         </p:txBody>
       </p:sp>
@@ -2853,38 +2830,37 @@
           <a:p>
             <a:pPr lvl="0"/>
             <a:r>
-              <a:rPr lang="ar-SA" smtClean="0"/>
+              <a:rPr lang="ar-SA"/>
               <a:t>انقر لتحرير أنماط النص الرئيسي</a:t>
             </a:r>
           </a:p>
           <a:p>
             <a:pPr lvl="1"/>
             <a:r>
-              <a:rPr lang="ar-SA" smtClean="0"/>
+              <a:rPr lang="ar-SA"/>
               <a:t>المستوى الثاني</a:t>
             </a:r>
           </a:p>
           <a:p>
             <a:pPr lvl="2"/>
             <a:r>
-              <a:rPr lang="ar-SA" smtClean="0"/>
+              <a:rPr lang="ar-SA"/>
               <a:t>المستوى الثالث</a:t>
             </a:r>
           </a:p>
           <a:p>
             <a:pPr lvl="3"/>
             <a:r>
-              <a:rPr lang="ar-SA" smtClean="0"/>
+              <a:rPr lang="ar-SA"/>
               <a:t>المستوى الرابع</a:t>
             </a:r>
           </a:p>
           <a:p>
             <a:pPr lvl="4"/>
             <a:r>
-              <a:rPr lang="ar-SA" smtClean="0"/>
+              <a:rPr lang="ar-SA"/>
               <a:t>المستوى الخامس</a:t>
             </a:r>
-            <a:endParaRPr lang="ar-SA"/>
           </a:p>
         </p:txBody>
       </p:sp>
@@ -2917,7 +2893,7 @@
               <a:pPr>
                 <a:defRPr/>
               </a:pPr>
-              <a:t>September 11, 2025</a:t>
+              <a:t>October 1, 2025</a:t>
             </a:fld>
             <a:endParaRPr lang="en-US"/>
           </a:p>
@@ -3039,10 +3015,9 @@
           </a:lstStyle>
           <a:p>
             <a:r>
-              <a:rPr lang="ar-SA" smtClean="0"/>
+              <a:rPr lang="ar-SA"/>
               <a:t>انقر لتحرير نمط العنوان الرئيسي</a:t>
             </a:r>
-            <a:endParaRPr lang="ar-SA"/>
           </a:p>
         </p:txBody>
       </p:sp>
@@ -3105,7 +3080,7 @@
           <a:p>
             <a:pPr lvl="0"/>
             <a:r>
-              <a:rPr lang="ar-SA" smtClean="0"/>
+              <a:rPr lang="ar-SA"/>
               <a:t>انقر لتحرير أنماط النص الرئيسي</a:t>
             </a:r>
           </a:p>
@@ -3161,38 +3136,37 @@
           <a:p>
             <a:pPr lvl="0"/>
             <a:r>
-              <a:rPr lang="ar-SA" smtClean="0"/>
+              <a:rPr lang="ar-SA"/>
               <a:t>انقر لتحرير أنماط النص الرئيسي</a:t>
             </a:r>
           </a:p>
           <a:p>
             <a:pPr lvl="1"/>
             <a:r>
-              <a:rPr lang="ar-SA" smtClean="0"/>
+              <a:rPr lang="ar-SA"/>
               <a:t>المستوى الثاني</a:t>
             </a:r>
           </a:p>
           <a:p>
             <a:pPr lvl="2"/>
             <a:r>
-              <a:rPr lang="ar-SA" smtClean="0"/>
+              <a:rPr lang="ar-SA"/>
               <a:t>المستوى الثالث</a:t>
             </a:r>
           </a:p>
           <a:p>
             <a:pPr lvl="3"/>
             <a:r>
-              <a:rPr lang="ar-SA" smtClean="0"/>
+              <a:rPr lang="ar-SA"/>
               <a:t>المستوى الرابع</a:t>
             </a:r>
           </a:p>
           <a:p>
             <a:pPr lvl="4"/>
             <a:r>
-              <a:rPr lang="ar-SA" smtClean="0"/>
+              <a:rPr lang="ar-SA"/>
               <a:t>المستوى الخامس</a:t>
             </a:r>
-            <a:endParaRPr lang="ar-SA"/>
           </a:p>
         </p:txBody>
       </p:sp>
@@ -3255,7 +3229,7 @@
           <a:p>
             <a:pPr lvl="0"/>
             <a:r>
-              <a:rPr lang="ar-SA" smtClean="0"/>
+              <a:rPr lang="ar-SA"/>
               <a:t>انقر لتحرير أنماط النص الرئيسي</a:t>
             </a:r>
           </a:p>
@@ -3311,38 +3285,37 @@
           <a:p>
             <a:pPr lvl="0"/>
             <a:r>
-              <a:rPr lang="ar-SA" smtClean="0"/>
+              <a:rPr lang="ar-SA"/>
               <a:t>انقر لتحرير أنماط النص الرئيسي</a:t>
             </a:r>
           </a:p>
           <a:p>
             <a:pPr lvl="1"/>
             <a:r>
-              <a:rPr lang="ar-SA" smtClean="0"/>
+              <a:rPr lang="ar-SA"/>
               <a:t>المستوى الثاني</a:t>
             </a:r>
           </a:p>
           <a:p>
             <a:pPr lvl="2"/>
             <a:r>
-              <a:rPr lang="ar-SA" smtClean="0"/>
+              <a:rPr lang="ar-SA"/>
               <a:t>المستوى الثالث</a:t>
             </a:r>
           </a:p>
           <a:p>
             <a:pPr lvl="3"/>
             <a:r>
-              <a:rPr lang="ar-SA" smtClean="0"/>
+              <a:rPr lang="ar-SA"/>
               <a:t>المستوى الرابع</a:t>
             </a:r>
           </a:p>
           <a:p>
             <a:pPr lvl="4"/>
             <a:r>
-              <a:rPr lang="ar-SA" smtClean="0"/>
+              <a:rPr lang="ar-SA"/>
               <a:t>المستوى الخامس</a:t>
             </a:r>
-            <a:endParaRPr lang="ar-SA"/>
           </a:p>
         </p:txBody>
       </p:sp>
@@ -3375,7 +3348,7 @@
               <a:pPr>
                 <a:defRPr/>
               </a:pPr>
-              <a:t>September 11, 2025</a:t>
+              <a:t>October 1, 2025</a:t>
             </a:fld>
             <a:endParaRPr lang="en-US"/>
           </a:p>
@@ -3488,10 +3461,9 @@
           <a:lstStyle/>
           <a:p>
             <a:r>
-              <a:rPr lang="ar-SA" smtClean="0"/>
+              <a:rPr lang="ar-SA"/>
               <a:t>انقر لتحرير نمط العنوان الرئيسي</a:t>
             </a:r>
-            <a:endParaRPr lang="ar-SA"/>
           </a:p>
         </p:txBody>
       </p:sp>
@@ -3524,7 +3496,7 @@
               <a:pPr>
                 <a:defRPr/>
               </a:pPr>
-              <a:t>September 11, 2025</a:t>
+              <a:t>October 1, 2025</a:t>
             </a:fld>
             <a:endParaRPr lang="en-US"/>
           </a:p>
@@ -3650,7 +3622,7 @@
               <a:pPr>
                 <a:defRPr/>
               </a:pPr>
-              <a:t>September 11, 2025</a:t>
+              <a:t>October 1, 2025</a:t>
             </a:fld>
             <a:endParaRPr lang="en-US"/>
           </a:p>
@@ -3772,10 +3744,9 @@
           </a:lstStyle>
           <a:p>
             <a:r>
-              <a:rPr lang="ar-SA" smtClean="0"/>
+              <a:rPr lang="ar-SA"/>
               <a:t>انقر لتحرير نمط العنوان الرئيسي</a:t>
             </a:r>
-            <a:endParaRPr lang="ar-SA"/>
           </a:p>
         </p:txBody>
       </p:sp>
@@ -3829,38 +3800,37 @@
           <a:p>
             <a:pPr lvl="0"/>
             <a:r>
-              <a:rPr lang="ar-SA" smtClean="0"/>
+              <a:rPr lang="ar-SA"/>
               <a:t>انقر لتحرير أنماط النص الرئيسي</a:t>
             </a:r>
           </a:p>
           <a:p>
             <a:pPr lvl="1"/>
             <a:r>
-              <a:rPr lang="ar-SA" smtClean="0"/>
+              <a:rPr lang="ar-SA"/>
               <a:t>المستوى الثاني</a:t>
             </a:r>
           </a:p>
           <a:p>
             <a:pPr lvl="2"/>
             <a:r>
-              <a:rPr lang="ar-SA" smtClean="0"/>
+              <a:rPr lang="ar-SA"/>
               <a:t>المستوى الثالث</a:t>
             </a:r>
           </a:p>
           <a:p>
             <a:pPr lvl="3"/>
             <a:r>
-              <a:rPr lang="ar-SA" smtClean="0"/>
+              <a:rPr lang="ar-SA"/>
               <a:t>المستوى الرابع</a:t>
             </a:r>
           </a:p>
           <a:p>
             <a:pPr lvl="4"/>
             <a:r>
-              <a:rPr lang="ar-SA" smtClean="0"/>
+              <a:rPr lang="ar-SA"/>
               <a:t>المستوى الخامس</a:t>
             </a:r>
-            <a:endParaRPr lang="ar-SA"/>
           </a:p>
         </p:txBody>
       </p:sp>
@@ -3923,7 +3893,7 @@
           <a:p>
             <a:pPr lvl="0"/>
             <a:r>
-              <a:rPr lang="ar-SA" smtClean="0"/>
+              <a:rPr lang="ar-SA"/>
               <a:t>انقر لتحرير أنماط النص الرئيسي</a:t>
             </a:r>
           </a:p>
@@ -3958,7 +3928,7 @@
               <a:pPr>
                 <a:defRPr/>
               </a:pPr>
-              <a:t>September 11, 2025</a:t>
+              <a:t>October 1, 2025</a:t>
             </a:fld>
             <a:endParaRPr lang="en-US"/>
           </a:p>
@@ -4080,10 +4050,9 @@
           </a:lstStyle>
           <a:p>
             <a:r>
-              <a:rPr lang="ar-SA" smtClean="0"/>
+              <a:rPr lang="ar-SA"/>
               <a:t>انقر لتحرير نمط العنوان الرئيسي</a:t>
             </a:r>
-            <a:endParaRPr lang="ar-SA"/>
           </a:p>
         </p:txBody>
       </p:sp>
@@ -4145,7 +4114,7 @@
           </a:lstStyle>
           <a:p>
             <a:pPr lvl="0"/>
-            <a:endParaRPr lang="ar-SA" noProof="0" smtClean="0"/>
+            <a:endParaRPr lang="ar-SA" noProof="0"/>
           </a:p>
         </p:txBody>
       </p:sp>
@@ -4208,7 +4177,7 @@
           <a:p>
             <a:pPr lvl="0"/>
             <a:r>
-              <a:rPr lang="ar-SA" smtClean="0"/>
+              <a:rPr lang="ar-SA"/>
               <a:t>انقر لتحرير أنماط النص الرئيسي</a:t>
             </a:r>
           </a:p>
@@ -4243,7 +4212,7 @@
               <a:pPr>
                 <a:defRPr/>
               </a:pPr>
-              <a:t>September 11, 2025</a:t>
+              <a:t>October 1, 2025</a:t>
             </a:fld>
             <a:endParaRPr lang="en-US"/>
           </a:p>
@@ -4682,7 +4651,7 @@
           <a:p>
             <a:pPr lvl="0"/>
             <a:r>
-              <a:rPr lang="en-US" smtClean="0"/>
+              <a:rPr lang="en-US"/>
               <a:t>Click to edit Master title style</a:t>
             </a:r>
           </a:p>
@@ -4724,35 +4693,35 @@
           <a:p>
             <a:pPr lvl="0"/>
             <a:r>
-              <a:rPr lang="en-US" smtClean="0"/>
+              <a:rPr lang="en-US"/>
               <a:t>Click to edit Master text styles</a:t>
             </a:r>
           </a:p>
           <a:p>
             <a:pPr lvl="1"/>
             <a:r>
-              <a:rPr lang="en-US" smtClean="0"/>
+              <a:rPr lang="en-US"/>
               <a:t>Second level</a:t>
             </a:r>
           </a:p>
           <a:p>
             <a:pPr lvl="2"/>
             <a:r>
-              <a:rPr lang="en-US" smtClean="0"/>
+              <a:rPr lang="en-US"/>
               <a:t>Third level</a:t>
             </a:r>
           </a:p>
           <a:p>
             <a:pPr lvl="3"/>
             <a:r>
-              <a:rPr lang="en-US" smtClean="0"/>
+              <a:rPr lang="en-US"/>
               <a:t>Fourth level</a:t>
             </a:r>
           </a:p>
           <a:p>
             <a:pPr lvl="4"/>
             <a:r>
-              <a:rPr lang="en-US" smtClean="0"/>
+              <a:rPr lang="en-US"/>
               <a:t>Fifth level</a:t>
             </a:r>
           </a:p>
@@ -4781,11 +4750,6 @@
             <a:noFill/>
           </a:ln>
           <a:effectLst/>
-          <a:extLst>
-            <a:ext uri="{909E8E84-426E-40DD-AFC4-6F175D3DCCD1}"/>
-            <a:ext uri="{91240B29-F687-4F45-9708-019B960494DF}"/>
-            <a:ext uri="{AF507438-7753-43E0-B8FC-AC1667EBCBE1}"/>
-          </a:extLst>
         </p:spPr>
         <p:txBody>
           <a:bodyPr vert="horz" wrap="square" lIns="91440" tIns="45720" rIns="91440" bIns="45720" numCol="1" anchor="b" anchorCtr="0" compatLnSpc="1">
@@ -4807,7 +4771,7 @@
               <a:pPr>
                 <a:defRPr/>
               </a:pPr>
-              <a:t>September 11, 2025</a:t>
+              <a:t>October 1, 2025</a:t>
             </a:fld>
             <a:endParaRPr lang="en-US"/>
           </a:p>
@@ -4836,11 +4800,6 @@
             <a:noFill/>
           </a:ln>
           <a:effectLst/>
-          <a:extLst>
-            <a:ext uri="{909E8E84-426E-40DD-AFC4-6F175D3DCCD1}"/>
-            <a:ext uri="{91240B29-F687-4F45-9708-019B960494DF}"/>
-            <a:ext uri="{AF507438-7753-43E0-B8FC-AC1667EBCBE1}"/>
-          </a:extLst>
         </p:spPr>
         <p:txBody>
           <a:bodyPr vert="horz" wrap="square" lIns="91440" tIns="45720" rIns="91440" bIns="45720" numCol="1" anchor="b" anchorCtr="0" compatLnSpc="1">
@@ -4887,11 +4846,6 @@
             <a:noFill/>
           </a:ln>
           <a:effectLst/>
-          <a:extLst>
-            <a:ext uri="{909E8E84-426E-40DD-AFC4-6F175D3DCCD1}"/>
-            <a:ext uri="{91240B29-F687-4F45-9708-019B960494DF}"/>
-            <a:ext uri="{AF507438-7753-43E0-B8FC-AC1667EBCBE1}"/>
-          </a:extLst>
         </p:spPr>
         <p:txBody>
           <a:bodyPr vert="horz" wrap="square" lIns="91440" tIns="45720" rIns="91440" bIns="45720" numCol="1" anchor="b" anchorCtr="0" compatLnSpc="1">
@@ -5394,9 +5348,9 @@
             <a:fld id="{2CA11DA5-CC60-4D01-A8A1-7F2AEE7A4994}" type="datetime4">
               <a:rPr lang="en-US" smtClean="0"/>
               <a:pPr/>
-              <a:t>September 11, 2025</a:t>
+              <a:t>October 1, 2025</a:t>
             </a:fld>
-            <a:endParaRPr lang="en-US" smtClean="0"/>
+            <a:endParaRPr lang="en-US"/>
           </a:p>
         </p:txBody>
       </p:sp>
@@ -5423,7 +5377,7 @@
           <a:lstStyle/>
           <a:p>
             <a:r>
-              <a:rPr lang="en-US" smtClean="0"/>
+              <a:rPr lang="en-US"/>
               <a:t>ICS426: Introduction</a:t>
             </a:r>
           </a:p>
@@ -5456,7 +5410,7 @@
               <a:pPr/>
               <a:t>1</a:t>
             </a:fld>
-            <a:endParaRPr lang="en-US" smtClean="0"/>
+            <a:endParaRPr lang="en-US"/>
           </a:p>
         </p:txBody>
       </p:sp>
@@ -5547,14 +5501,14 @@
           <a:p>
             <a:pPr algn="ctr"/>
             <a:r>
-              <a:rPr lang="en-US" sz="3600" b="1" dirty="0" smtClean="0"/>
+              <a:rPr lang="en-US" sz="3600" b="1" dirty="0"/>
               <a:t>Object-Oriented Programming</a:t>
             </a:r>
             <a:br>
-              <a:rPr lang="en-US" sz="3600" b="1" dirty="0" smtClean="0"/>
+              <a:rPr lang="en-US" sz="3600" b="1" dirty="0"/>
             </a:br>
             <a:r>
-              <a:rPr lang="en-US" sz="3600" b="1" dirty="0" smtClean="0"/>
+              <a:rPr lang="en-US" sz="3600" b="1" dirty="0"/>
               <a:t>OOP</a:t>
             </a:r>
           </a:p>
@@ -5566,13 +5520,6 @@
     <a:masterClrMapping/>
   </p:clrMapOvr>
   <p:transition/>
-  <p:timing>
-    <p:tnLst>
-      <p:par>
-        <p:cTn id="1" dur="indefinite" restart="never" nodeType="tmRoot"/>
-      </p:par>
-    </p:tnLst>
-  </p:timing>
 </p:sld>
 </file>
 
@@ -5609,10 +5556,10 @@
           <a:lstStyle/>
           <a:p>
             <a:r>
-              <a:rPr lang="en-US" b="1" dirty="0" smtClean="0"/>
+              <a:rPr lang="en-US" b="1" dirty="0"/>
               <a:t>Problems with Structured Programming</a:t>
             </a:r>
-            <a:endParaRPr lang="ar-SA" b="1" dirty="0" smtClean="0"/>
+            <a:endParaRPr lang="ar-SA" b="1" dirty="0"/>
           </a:p>
         </p:txBody>
       </p:sp>
@@ -5632,58 +5579,46 @@
           <a:lstStyle/>
           <a:p>
             <a:r>
-              <a:rPr lang="en-US" b="1" dirty="0" smtClean="0"/>
+              <a:rPr lang="en-US" b="1" dirty="0"/>
               <a:t>Real-World Modeling</a:t>
             </a:r>
           </a:p>
           <a:p>
             <a:r>
-              <a:rPr lang="en-US" dirty="0" smtClean="0"/>
-              <a:t>The </a:t>
-            </a:r>
-            <a:r>
-              <a:rPr lang="en-US" dirty="0" smtClean="0"/>
-              <a:t>third</a:t>
-            </a:r>
-            <a:r>
-              <a:rPr lang="en-US" dirty="0" smtClean="0"/>
-              <a:t> </a:t>
-            </a:r>
-            <a:r>
-              <a:rPr lang="en-US" dirty="0" smtClean="0"/>
-              <a:t>problem with the procedural paradigm is that its arrangement of separate data and functions does a poor job of modeling things in the real world</a:t>
-            </a:r>
-          </a:p>
-          <a:p>
-            <a:endParaRPr lang="en-US" dirty="0" smtClean="0"/>
-          </a:p>
-          <a:p>
-            <a:r>
-              <a:rPr lang="en-US" dirty="0" smtClean="0"/>
+              <a:rPr lang="en-US" dirty="0"/>
+              <a:t>The third problem with the procedural paradigm is that its arrangement of separate data and functions does a poor job of modeling things in the real world</a:t>
+            </a:r>
+          </a:p>
+          <a:p>
+            <a:endParaRPr lang="en-US" dirty="0"/>
+          </a:p>
+          <a:p>
+            <a:r>
+              <a:rPr lang="en-US" dirty="0"/>
               <a:t>In the physical world we deal with objects such as people and cars. </a:t>
             </a:r>
           </a:p>
           <a:p>
             <a:r>
-              <a:rPr lang="en-US" dirty="0" smtClean="0"/>
+              <a:rPr lang="en-US" dirty="0"/>
               <a:t>Such objects aren’t like data and they aren’t like functions. </a:t>
             </a:r>
           </a:p>
           <a:p>
             <a:r>
-              <a:rPr lang="en-US" dirty="0" smtClean="0"/>
+              <a:rPr lang="en-US" dirty="0"/>
               <a:t>Complex real-world objects have both </a:t>
             </a:r>
             <a:r>
-              <a:rPr lang="en-US" i="1" dirty="0" smtClean="0"/>
+              <a:rPr lang="en-US" i="1" dirty="0"/>
               <a:t>attributes</a:t>
             </a:r>
             <a:r>
-              <a:rPr lang="en-US" dirty="0" smtClean="0"/>
+              <a:rPr lang="en-US" dirty="0"/>
               <a:t> and </a:t>
             </a:r>
             <a:r>
-              <a:rPr lang="en-US" i="1" dirty="0" smtClean="0"/>
+              <a:rPr lang="en-US" i="1" dirty="0"/>
               <a:t>behavior.</a:t>
             </a:r>
             <a:endParaRPr lang="ar-SA" dirty="0"/>
@@ -5713,7 +5648,7 @@
               <a:pPr>
                 <a:defRPr/>
               </a:pPr>
-              <a:t>September 11, 2025</a:t>
+              <a:t>October 1, 2025</a:t>
             </a:fld>
             <a:endParaRPr lang="en-US"/>
           </a:p>
@@ -5738,10 +5673,9 @@
               <a:defRPr/>
             </a:pPr>
             <a:r>
-              <a:rPr lang="en-US" smtClean="0"/>
+              <a:rPr lang="en-US"/>
               <a:t>ICS426: Introduction</a:t>
             </a:r>
-            <a:endParaRPr lang="en-US"/>
           </a:p>
         </p:txBody>
       </p:sp>
@@ -5787,10 +5721,10 @@
           <a:p>
             <a:pPr algn="ctr"/>
             <a:r>
-              <a:rPr lang="en-US" b="1" dirty="0" smtClean="0"/>
+              <a:rPr lang="en-US" b="1" dirty="0"/>
               <a:t>The Object-Oriented Approach</a:t>
             </a:r>
-            <a:endParaRPr lang="ar-SA" b="1" dirty="0" smtClean="0"/>
+            <a:endParaRPr lang="ar-SA" b="1" dirty="0"/>
           </a:p>
         </p:txBody>
       </p:sp>
@@ -5810,83 +5744,83 @@
           <a:lstStyle/>
           <a:p>
             <a:r>
-              <a:rPr lang="en-US" dirty="0" smtClean="0"/>
+              <a:rPr lang="en-US" dirty="0"/>
               <a:t>The idea in OOP is to combine into a single unit both </a:t>
             </a:r>
             <a:r>
-              <a:rPr lang="en-US" b="1" i="1" u="sng" dirty="0" smtClean="0"/>
+              <a:rPr lang="en-US" b="1" i="1" u="sng" dirty="0"/>
               <a:t>data</a:t>
             </a:r>
             <a:r>
-              <a:rPr lang="en-US" dirty="0" smtClean="0"/>
+              <a:rPr lang="en-US" dirty="0"/>
               <a:t> and the </a:t>
             </a:r>
             <a:r>
-              <a:rPr lang="en-US" b="1" i="1" u="sng" dirty="0" smtClean="0"/>
+              <a:rPr lang="en-US" b="1" i="1" u="sng" dirty="0"/>
               <a:t>functions</a:t>
             </a:r>
             <a:r>
-              <a:rPr lang="en-US" i="1" dirty="0" smtClean="0"/>
+              <a:rPr lang="en-US" i="1" dirty="0"/>
               <a:t> that operate on that data</a:t>
             </a:r>
             <a:r>
-              <a:rPr lang="en-US" dirty="0" smtClean="0"/>
+              <a:rPr lang="en-US" dirty="0"/>
               <a:t>. </a:t>
             </a:r>
           </a:p>
           <a:p>
             <a:r>
-              <a:rPr lang="en-US" dirty="0" smtClean="0"/>
+              <a:rPr lang="en-US" dirty="0"/>
               <a:t>Such a unit is called an </a:t>
             </a:r>
             <a:r>
-              <a:rPr lang="en-US" i="1" dirty="0" smtClean="0"/>
+              <a:rPr lang="en-US" i="1" dirty="0"/>
               <a:t>object.</a:t>
             </a:r>
           </a:p>
           <a:p>
-            <a:endParaRPr lang="en-US" i="1" dirty="0" smtClean="0"/>
-          </a:p>
-          <a:p>
-            <a:r>
-              <a:rPr lang="en-US" b="1" u="sng" dirty="0" smtClean="0"/>
+            <a:endParaRPr lang="en-US" i="1" dirty="0"/>
+          </a:p>
+          <a:p>
+            <a:r>
+              <a:rPr lang="en-US" b="1" u="sng" dirty="0"/>
               <a:t>These are often referred to as "class members".</a:t>
             </a:r>
           </a:p>
           <a:p>
             <a:r>
-              <a:rPr lang="en-US" b="1" dirty="0" smtClean="0"/>
+              <a:rPr lang="en-US" b="1" dirty="0"/>
               <a:t>Attributes =</a:t>
             </a:r>
             <a:r>
-              <a:rPr lang="en-US" dirty="0" smtClean="0">
+              <a:rPr lang="en-US" dirty="0">
                 <a:sym typeface="Wingdings" panose="05000000000000000000" pitchFamily="2" charset="2"/>
               </a:rPr>
               <a:t></a:t>
             </a:r>
             <a:r>
-              <a:rPr lang="en-US" b="1" dirty="0" smtClean="0"/>
+              <a:rPr lang="en-US" b="1" dirty="0"/>
               <a:t> variables</a:t>
             </a:r>
           </a:p>
           <a:p>
             <a:r>
-              <a:rPr lang="en-US" b="1" dirty="0" smtClean="0"/>
+              <a:rPr lang="en-US" b="1" dirty="0"/>
               <a:t>Methods =</a:t>
             </a:r>
             <a:r>
-              <a:rPr lang="en-US" dirty="0" smtClean="0">
+              <a:rPr lang="en-US" dirty="0">
                 <a:sym typeface="Wingdings" panose="05000000000000000000" pitchFamily="2" charset="2"/>
               </a:rPr>
               <a:t></a:t>
             </a:r>
             <a:r>
-              <a:rPr lang="en-US" b="1" dirty="0" smtClean="0"/>
+              <a:rPr lang="en-US" b="1" dirty="0"/>
               <a:t> functions</a:t>
             </a:r>
           </a:p>
           <a:p>
-            <a:endParaRPr lang="en-US" i="1" dirty="0" smtClean="0"/>
+            <a:endParaRPr lang="en-US" i="1" dirty="0"/>
           </a:p>
           <a:p>
             <a:endParaRPr lang="ar-SA" dirty="0"/>
@@ -5916,7 +5850,7 @@
               <a:pPr>
                 <a:defRPr/>
               </a:pPr>
-              <a:t>September 11, 2025</a:t>
+              <a:t>October 1, 2025</a:t>
             </a:fld>
             <a:endParaRPr lang="en-US"/>
           </a:p>
@@ -5941,10 +5875,9 @@
               <a:defRPr/>
             </a:pPr>
             <a:r>
-              <a:rPr lang="en-US" smtClean="0"/>
+              <a:rPr lang="en-US"/>
               <a:t>ICS426: Introduction</a:t>
             </a:r>
-            <a:endParaRPr lang="en-US"/>
           </a:p>
         </p:txBody>
       </p:sp>
@@ -6008,75 +5941,75 @@
           <a:lstStyle/>
           <a:p>
             <a:r>
-              <a:rPr lang="en-US" dirty="0" smtClean="0"/>
+              <a:rPr lang="en-US" dirty="0"/>
               <a:t>If you want to read a data item in an object, you call a member function in the object. </a:t>
             </a:r>
           </a:p>
           <a:p>
             <a:pPr lvl="1"/>
             <a:r>
-              <a:rPr lang="en-US" dirty="0" smtClean="0"/>
+              <a:rPr lang="en-US" dirty="0"/>
               <a:t>It will access the data and return the value to you. </a:t>
             </a:r>
           </a:p>
           <a:p>
             <a:pPr lvl="1"/>
             <a:r>
-              <a:rPr lang="en-US" dirty="0" smtClean="0"/>
+              <a:rPr lang="en-US" dirty="0"/>
               <a:t>You can’t access the data directly. </a:t>
             </a:r>
           </a:p>
           <a:p>
             <a:r>
-              <a:rPr lang="en-US" dirty="0" smtClean="0"/>
+              <a:rPr lang="en-US" dirty="0"/>
               <a:t>The data is </a:t>
             </a:r>
             <a:r>
-              <a:rPr lang="en-US" b="1" i="1" dirty="0" smtClean="0"/>
+              <a:rPr lang="en-US" b="1" i="1" dirty="0"/>
               <a:t>hidden</a:t>
             </a:r>
             <a:r>
-              <a:rPr lang="en-US" dirty="0" smtClean="0"/>
+              <a:rPr lang="en-US" dirty="0"/>
               <a:t>, so it is safe from accidental alteration. </a:t>
             </a:r>
           </a:p>
           <a:p>
             <a:r>
-              <a:rPr lang="en-US" dirty="0" smtClean="0"/>
+              <a:rPr lang="en-US" dirty="0"/>
               <a:t>Data and its functions are said to be </a:t>
             </a:r>
             <a:r>
-              <a:rPr lang="en-US" b="1" i="1" dirty="0" smtClean="0"/>
+              <a:rPr lang="en-US" b="1" i="1" dirty="0"/>
               <a:t>encapsulated</a:t>
             </a:r>
             <a:r>
-              <a:rPr lang="en-US" dirty="0" smtClean="0"/>
+              <a:rPr lang="en-US" dirty="0"/>
               <a:t> into a single entity. </a:t>
             </a:r>
           </a:p>
           <a:p>
             <a:r>
-              <a:rPr lang="en-US" b="1" i="1" dirty="0" smtClean="0"/>
+              <a:rPr lang="en-US" b="1" i="1" dirty="0"/>
               <a:t>Data encapsulation</a:t>
             </a:r>
             <a:r>
-              <a:rPr lang="en-US" b="1" dirty="0" smtClean="0"/>
+              <a:rPr lang="en-US" b="1" dirty="0"/>
               <a:t> </a:t>
             </a:r>
             <a:r>
-              <a:rPr lang="en-US" dirty="0" smtClean="0"/>
+              <a:rPr lang="en-US" dirty="0"/>
               <a:t>and </a:t>
             </a:r>
             <a:r>
-              <a:rPr lang="en-US" b="1" i="1" dirty="0" smtClean="0"/>
+              <a:rPr lang="en-US" b="1" i="1" dirty="0"/>
               <a:t>data hiding</a:t>
             </a:r>
             <a:r>
-              <a:rPr lang="en-US" b="1" dirty="0" smtClean="0"/>
+              <a:rPr lang="en-US" b="1" dirty="0"/>
               <a:t> </a:t>
             </a:r>
             <a:r>
-              <a:rPr lang="en-US" dirty="0" smtClean="0"/>
+              <a:rPr lang="en-US" dirty="0"/>
               <a:t>are key terms in the description of object-oriented languages.</a:t>
             </a:r>
             <a:endParaRPr lang="ar-SA" dirty="0"/>
@@ -6106,7 +6039,7 @@
               <a:pPr>
                 <a:defRPr/>
               </a:pPr>
-              <a:t>September 11, 2025</a:t>
+              <a:t>October 1, 2025</a:t>
             </a:fld>
             <a:endParaRPr lang="en-US"/>
           </a:p>
@@ -6131,10 +6064,9 @@
               <a:defRPr/>
             </a:pPr>
             <a:r>
-              <a:rPr lang="en-US" smtClean="0"/>
+              <a:rPr lang="en-US"/>
               <a:t>ICS426: Introduction</a:t>
             </a:r>
-            <a:endParaRPr lang="en-US"/>
           </a:p>
         </p:txBody>
       </p:sp>
@@ -6224,7 +6156,7 @@
               <a:pPr>
                 <a:defRPr/>
               </a:pPr>
-              <a:t>September 11, 2025</a:t>
+              <a:t>October 1, 2025</a:t>
             </a:fld>
             <a:endParaRPr lang="en-US"/>
           </a:p>
@@ -6249,10 +6181,9 @@
               <a:defRPr/>
             </a:pPr>
             <a:r>
-              <a:rPr lang="en-US" smtClean="0"/>
+              <a:rPr lang="en-US"/>
               <a:t>ICS426: Introduction</a:t>
             </a:r>
-            <a:endParaRPr lang="en-US"/>
           </a:p>
         </p:txBody>
       </p:sp>
@@ -6295,13 +6226,6 @@
   <p:clrMapOvr>
     <a:masterClrMapping/>
   </p:clrMapOvr>
-  <p:timing>
-    <p:tnLst>
-      <p:par>
-        <p:cTn id="1" dur="indefinite" restart="never" nodeType="tmRoot"/>
-      </p:par>
-    </p:tnLst>
-  </p:timing>
 </p:sld>
 </file>
 
@@ -6357,7 +6281,7 @@
           <a:lstStyle/>
           <a:p>
             <a:r>
-              <a:rPr lang="en-US" dirty="0" smtClean="0">
+              <a:rPr lang="en-US" dirty="0">
                 <a:solidFill>
                   <a:schemeClr val="tx1"/>
                 </a:solidFill>
@@ -6370,7 +6294,7 @@
           </a:p>
           <a:p>
             <a:r>
-              <a:rPr lang="en-US" b="1" dirty="0" smtClean="0">
+              <a:rPr lang="en-US" b="1" dirty="0">
                 <a:solidFill>
                   <a:srgbClr val="002060"/>
                 </a:solidFill>
@@ -6380,7 +6304,7 @@
               </a:rPr>
               <a:t>A  class is a template for objects</a:t>
             </a:r>
-            <a:endParaRPr lang="en-US" dirty="0" smtClean="0">
+            <a:endParaRPr lang="en-US" dirty="0">
               <a:solidFill>
                 <a:schemeClr val="tx1"/>
               </a:solidFill>
@@ -6391,7 +6315,7 @@
           </a:p>
           <a:p>
             <a:r>
-              <a:rPr lang="en-US" b="1" dirty="0" smtClean="0">
+              <a:rPr lang="en-US" b="1" dirty="0">
                 <a:solidFill>
                   <a:srgbClr val="002060"/>
                 </a:solidFill>
@@ -6430,7 +6354,7 @@
               <a:pPr>
                 <a:defRPr/>
               </a:pPr>
-              <a:t>September 11, 2025</a:t>
+              <a:t>October 1, 2025</a:t>
             </a:fld>
             <a:endParaRPr lang="en-US"/>
           </a:p>
@@ -6455,10 +6379,9 @@
               <a:defRPr/>
             </a:pPr>
             <a:r>
-              <a:rPr lang="en-US" smtClean="0"/>
+              <a:rPr lang="en-US"/>
               <a:t>ICS426: Introduction</a:t>
             </a:r>
-            <a:endParaRPr lang="en-US"/>
           </a:p>
         </p:txBody>
       </p:sp>
@@ -6467,13 +6390,6 @@
   <p:clrMapOvr>
     <a:masterClrMapping/>
   </p:clrMapOvr>
-  <p:timing>
-    <p:tnLst>
-      <p:par>
-        <p:cTn id="1" dur="indefinite" restart="never" nodeType="tmRoot"/>
-      </p:par>
-    </p:tnLst>
-  </p:timing>
 </p:sld>
 </file>
 
@@ -6537,7 +6453,7 @@
               <a:buNone/>
             </a:pPr>
             <a:r>
-              <a:rPr lang="en-US" sz="3200" dirty="0" smtClean="0">
+              <a:rPr lang="en-US" sz="3200" dirty="0">
                 <a:solidFill>
                   <a:srgbClr val="002060"/>
                 </a:solidFill>
@@ -6545,7 +6461,7 @@
               <a:t>Example: in real life, a car is an </a:t>
             </a:r>
             <a:r>
-              <a:rPr lang="en-US" sz="3200" b="1" dirty="0" smtClean="0">
+              <a:rPr lang="en-US" sz="3200" b="1" dirty="0">
                 <a:solidFill>
                   <a:srgbClr val="002060"/>
                 </a:solidFill>
@@ -6553,7 +6469,7 @@
               <a:t>object</a:t>
             </a:r>
             <a:r>
-              <a:rPr lang="en-US" sz="3200" dirty="0" smtClean="0">
+              <a:rPr lang="en-US" sz="3200" dirty="0">
                 <a:solidFill>
                   <a:srgbClr val="002060"/>
                 </a:solidFill>
@@ -6563,7 +6479,7 @@
           </a:p>
           <a:p>
             <a:r>
-              <a:rPr lang="en-US" sz="3200" dirty="0" smtClean="0">
+              <a:rPr lang="en-US" sz="3200" dirty="0">
                 <a:solidFill>
                   <a:srgbClr val="002060"/>
                 </a:solidFill>
@@ -6571,7 +6487,7 @@
               <a:t>The car has </a:t>
             </a:r>
             <a:r>
-              <a:rPr lang="en-US" sz="3200" b="1" dirty="0" smtClean="0">
+              <a:rPr lang="en-US" sz="3200" b="1" dirty="0">
                 <a:solidFill>
                   <a:srgbClr val="002060"/>
                 </a:solidFill>
@@ -6579,7 +6495,7 @@
               <a:t>attributes</a:t>
             </a:r>
             <a:r>
-              <a:rPr lang="en-US" sz="3200" dirty="0" smtClean="0">
+              <a:rPr lang="en-US" sz="3200" dirty="0">
                 <a:solidFill>
                   <a:srgbClr val="002060"/>
                 </a:solidFill>
@@ -6590,7 +6506,7 @@
           <a:p>
             <a:pPr lvl="1"/>
             <a:r>
-              <a:rPr lang="en-US" sz="2800" dirty="0" smtClean="0">
+              <a:rPr lang="en-US" sz="2800" dirty="0">
                 <a:solidFill>
                   <a:srgbClr val="002060"/>
                 </a:solidFill>
@@ -6601,7 +6517,7 @@
           <a:p>
             <a:pPr lvl="1"/>
             <a:r>
-              <a:rPr lang="en-US" sz="2800" dirty="0" smtClean="0">
+              <a:rPr lang="en-US" sz="2800" dirty="0">
                 <a:solidFill>
                   <a:srgbClr val="002060"/>
                 </a:solidFill>
@@ -6611,7 +6527,7 @@
           </a:p>
           <a:p>
             <a:r>
-              <a:rPr lang="en-US" sz="3200" dirty="0" smtClean="0">
+              <a:rPr lang="en-US" sz="3200" dirty="0">
                 <a:solidFill>
                   <a:srgbClr val="002060"/>
                 </a:solidFill>
@@ -6619,7 +6535,7 @@
               <a:t>and </a:t>
             </a:r>
             <a:r>
-              <a:rPr lang="en-US" sz="3200" b="1" dirty="0" smtClean="0">
+              <a:rPr lang="en-US" sz="3200" b="1" dirty="0">
                 <a:solidFill>
                   <a:srgbClr val="002060"/>
                 </a:solidFill>
@@ -6627,7 +6543,7 @@
               <a:t>methods</a:t>
             </a:r>
             <a:r>
-              <a:rPr lang="en-US" sz="3200" dirty="0" smtClean="0">
+              <a:rPr lang="en-US" sz="3200" dirty="0">
                 <a:solidFill>
                   <a:srgbClr val="002060"/>
                 </a:solidFill>
@@ -6638,7 +6554,7 @@
           <a:p>
             <a:pPr lvl="1"/>
             <a:r>
-              <a:rPr lang="en-US" sz="2800" dirty="0" smtClean="0">
+              <a:rPr lang="en-US" sz="2800" dirty="0">
                 <a:solidFill>
                   <a:srgbClr val="002060"/>
                 </a:solidFill>
@@ -6649,7 +6565,7 @@
           <a:p>
             <a:pPr lvl="1"/>
             <a:r>
-              <a:rPr lang="en-US" sz="2800" dirty="0" smtClean="0">
+              <a:rPr lang="en-US" sz="2800" dirty="0">
                 <a:solidFill>
                   <a:srgbClr val="002060"/>
                 </a:solidFill>
@@ -6687,7 +6603,7 @@
               <a:pPr>
                 <a:defRPr/>
               </a:pPr>
-              <a:t>September 11, 2025</a:t>
+              <a:t>October 1, 2025</a:t>
             </a:fld>
             <a:endParaRPr lang="en-US"/>
           </a:p>
@@ -6712,10 +6628,9 @@
               <a:defRPr/>
             </a:pPr>
             <a:r>
-              <a:rPr lang="en-US" smtClean="0"/>
+              <a:rPr lang="en-US"/>
               <a:t>ICS426: Introduction</a:t>
             </a:r>
-            <a:endParaRPr lang="en-US"/>
           </a:p>
         </p:txBody>
       </p:sp>
@@ -6761,7 +6676,7 @@
           <a:p>
             <a:pPr algn="ctr"/>
             <a:r>
-              <a:rPr lang="en-US" b="1" dirty="0" smtClean="0"/>
+              <a:rPr lang="en-US" b="1" dirty="0"/>
               <a:t>Why OOP</a:t>
             </a:r>
             <a:endParaRPr lang="ar-SA" dirty="0"/>
@@ -6794,7 +6709,7 @@
               </a:lnSpc>
             </a:pPr>
             <a:r>
-              <a:rPr lang="en-US" b="1" dirty="0" smtClean="0">
+              <a:rPr lang="en-US" b="1" dirty="0">
                 <a:solidFill>
                   <a:schemeClr val="tx1"/>
                 </a:solidFill>
@@ -6812,7 +6727,7 @@
               </a:lnSpc>
             </a:pPr>
             <a:r>
-              <a:rPr lang="en-US" b="1" dirty="0" smtClean="0">
+              <a:rPr lang="en-US" b="1" dirty="0">
                 <a:solidFill>
                   <a:schemeClr val="tx1"/>
                 </a:solidFill>
@@ -6830,7 +6745,7 @@
               </a:lnSpc>
             </a:pPr>
             <a:r>
-              <a:rPr lang="en-US" b="1" dirty="0" smtClean="0">
+              <a:rPr lang="en-US" b="1" dirty="0">
                 <a:solidFill>
                   <a:schemeClr val="tx1"/>
                 </a:solidFill>
@@ -6869,7 +6784,7 @@
               <a:pPr>
                 <a:defRPr/>
               </a:pPr>
-              <a:t>September 11, 2025</a:t>
+              <a:t>October 1, 2025</a:t>
             </a:fld>
             <a:endParaRPr lang="en-US"/>
           </a:p>
@@ -6894,10 +6809,9 @@
               <a:defRPr/>
             </a:pPr>
             <a:r>
-              <a:rPr lang="en-US" smtClean="0"/>
+              <a:rPr lang="en-US"/>
               <a:t>ICS426: Introduction</a:t>
             </a:r>
-            <a:endParaRPr lang="en-US"/>
           </a:p>
         </p:txBody>
       </p:sp>
@@ -6961,53 +6875,53 @@
           <a:lstStyle/>
           <a:p>
             <a:r>
-              <a:rPr lang="en-US" dirty="0" smtClean="0"/>
+              <a:rPr lang="en-US" dirty="0"/>
               <a:t>Almost all computer languages have </a:t>
             </a:r>
             <a:r>
-              <a:rPr lang="en-US" b="1" u="sng" dirty="0" smtClean="0"/>
+              <a:rPr lang="en-US" b="1" u="sng" dirty="0"/>
               <a:t>built-in</a:t>
             </a:r>
             <a:r>
-              <a:rPr lang="en-US" dirty="0" smtClean="0"/>
+              <a:rPr lang="en-US" dirty="0"/>
               <a:t> data types</a:t>
             </a:r>
           </a:p>
           <a:p>
             <a:pPr lvl="1"/>
             <a:r>
-              <a:rPr lang="en-US" sz="2800" dirty="0" err="1" smtClean="0"/>
+              <a:rPr lang="en-US" sz="2800" dirty="0" err="1"/>
               <a:t>int</a:t>
             </a:r>
-            <a:endParaRPr lang="en-US" sz="2800" dirty="0" smtClean="0"/>
+            <a:endParaRPr lang="en-US" sz="2800" dirty="0"/>
           </a:p>
           <a:p>
             <a:pPr lvl="1"/>
             <a:r>
-              <a:rPr lang="en-US" sz="2800" dirty="0" smtClean="0"/>
+              <a:rPr lang="en-US" sz="2800" dirty="0"/>
               <a:t>char</a:t>
             </a:r>
           </a:p>
           <a:p>
             <a:pPr lvl="1"/>
             <a:r>
-              <a:rPr lang="en-US" sz="2800" dirty="0" smtClean="0"/>
+              <a:rPr lang="en-US" sz="2800" dirty="0"/>
               <a:t>float</a:t>
             </a:r>
           </a:p>
           <a:p>
-            <a:endParaRPr lang="en-US" dirty="0" smtClean="0"/>
-          </a:p>
-          <a:p>
-            <a:r>
-              <a:rPr lang="en-US" b="1" u="sng" dirty="0" smtClean="0"/>
+            <a:endParaRPr lang="en-US" dirty="0"/>
+          </a:p>
+          <a:p>
+            <a:r>
+              <a:rPr lang="en-US" b="1" u="sng" dirty="0"/>
               <a:t>A class is a user-defined data type</a:t>
             </a:r>
           </a:p>
           <a:p>
             <a:pPr lvl="1"/>
             <a:r>
-              <a:rPr lang="en-US" dirty="0" smtClean="0"/>
+              <a:rPr lang="en-US" dirty="0"/>
               <a:t>We can define many objects of the same class</a:t>
             </a:r>
           </a:p>
@@ -7039,7 +6953,7 @@
               <a:pPr>
                 <a:defRPr/>
               </a:pPr>
-              <a:t>September 11, 2025</a:t>
+              <a:t>October 1, 2025</a:t>
             </a:fld>
             <a:endParaRPr lang="en-US"/>
           </a:p>
@@ -7064,10 +6978,9 @@
               <a:defRPr/>
             </a:pPr>
             <a:r>
-              <a:rPr lang="en-US" smtClean="0"/>
+              <a:rPr lang="en-US"/>
               <a:t>ICS426: Introduction</a:t>
             </a:r>
-            <a:endParaRPr lang="en-US"/>
           </a:p>
         </p:txBody>
       </p:sp>
@@ -7113,7 +7026,7 @@
           <a:p>
             <a:pPr algn="ctr"/>
             <a:r>
-              <a:rPr lang="en-US" b="1" u="sng" dirty="0" smtClean="0">
+              <a:rPr lang="en-US" b="1" u="sng" dirty="0">
                 <a:solidFill>
                   <a:srgbClr val="C00000"/>
                 </a:solidFill>
@@ -7147,24 +7060,24 @@
           <a:lstStyle/>
           <a:p>
             <a:r>
-              <a:rPr lang="en-US" b="1" dirty="0" smtClean="0"/>
+              <a:rPr lang="en-US" b="1" dirty="0"/>
               <a:t>To create a class, use the </a:t>
             </a:r>
             <a:r>
-              <a:rPr lang="en-US" b="1" u="sng" dirty="0" smtClean="0"/>
+              <a:rPr lang="en-US" b="1" u="sng" dirty="0"/>
               <a:t>class</a:t>
             </a:r>
             <a:r>
-              <a:rPr lang="en-US" b="1" dirty="0" smtClean="0"/>
+              <a:rPr lang="en-US" b="1" dirty="0"/>
               <a:t> keyword</a:t>
             </a:r>
           </a:p>
           <a:p>
-            <a:endParaRPr lang="en-US" dirty="0" smtClean="0"/>
-          </a:p>
-          <a:p>
-            <a:r>
-              <a:rPr lang="en-US" dirty="0" smtClean="0"/>
+            <a:endParaRPr lang="en-US" dirty="0"/>
+          </a:p>
+          <a:p>
+            <a:r>
+              <a:rPr lang="en-US" dirty="0"/>
               <a:t>Example </a:t>
             </a:r>
           </a:p>
@@ -7196,7 +7109,7 @@
               <a:pPr>
                 <a:defRPr/>
               </a:pPr>
-              <a:t>September 11, 2025</a:t>
+              <a:t>October 1, 2025</a:t>
             </a:fld>
             <a:endParaRPr lang="en-US"/>
           </a:p>
@@ -7221,10 +7134,9 @@
               <a:defRPr/>
             </a:pPr>
             <a:r>
-              <a:rPr lang="en-US" smtClean="0"/>
+              <a:rPr lang="en-US"/>
               <a:t>ICS426: Introduction</a:t>
             </a:r>
-            <a:endParaRPr lang="en-US"/>
           </a:p>
         </p:txBody>
       </p:sp>
@@ -7320,7 +7232,7 @@
               <a:pPr>
                 <a:defRPr/>
               </a:pPr>
-              <a:t>September 11, 2025</a:t>
+              <a:t>October 1, 2025</a:t>
             </a:fld>
             <a:endParaRPr lang="en-US"/>
           </a:p>
@@ -7345,10 +7257,9 @@
               <a:defRPr/>
             </a:pPr>
             <a:r>
-              <a:rPr lang="en-US" smtClean="0"/>
+              <a:rPr lang="en-US"/>
               <a:t>ICS426: Introduction</a:t>
             </a:r>
-            <a:endParaRPr lang="en-US"/>
           </a:p>
         </p:txBody>
       </p:sp>
@@ -7391,13 +7302,6 @@
   <p:clrMapOvr>
     <a:masterClrMapping/>
   </p:clrMapOvr>
-  <p:timing>
-    <p:tnLst>
-      <p:par>
-        <p:cTn id="1" dur="indefinite" restart="never" nodeType="tmRoot"/>
-      </p:par>
-    </p:tnLst>
-  </p:timing>
 </p:sld>
 </file>
 
@@ -7435,10 +7339,10 @@
           <a:p>
             <a:pPr algn="ctr"/>
             <a:r>
-              <a:rPr lang="en-US" b="1" dirty="0" smtClean="0"/>
+              <a:rPr lang="en-US" b="1" dirty="0"/>
               <a:t>OUTLINES</a:t>
             </a:r>
-            <a:endParaRPr lang="ar-SA" dirty="0" smtClean="0"/>
+            <a:endParaRPr lang="ar-SA" dirty="0"/>
           </a:p>
         </p:txBody>
       </p:sp>
@@ -7463,31 +7367,31 @@
           <a:lstStyle/>
           <a:p>
             <a:r>
-              <a:rPr lang="en-US" b="1" dirty="0" smtClean="0"/>
+              <a:rPr lang="en-US" b="1" dirty="0"/>
               <a:t>What is OOP</a:t>
             </a:r>
           </a:p>
           <a:p>
             <a:r>
-              <a:rPr lang="en-US" b="1" dirty="0" smtClean="0"/>
+              <a:rPr lang="en-US" b="1" dirty="0"/>
               <a:t>Why OOP</a:t>
             </a:r>
           </a:p>
           <a:p>
             <a:r>
-              <a:rPr lang="en-US" b="1" dirty="0" smtClean="0"/>
+              <a:rPr lang="en-US" b="1" dirty="0"/>
               <a:t>Class and object</a:t>
             </a:r>
           </a:p>
           <a:p>
             <a:r>
-              <a:rPr lang="en-US" b="1" dirty="0" smtClean="0"/>
+              <a:rPr lang="en-US" b="1" dirty="0"/>
               <a:t>Create a class</a:t>
             </a:r>
           </a:p>
           <a:p>
             <a:r>
-              <a:rPr lang="en-US" b="1" dirty="0" smtClean="0"/>
+              <a:rPr lang="en-US" b="1" dirty="0"/>
               <a:t>Create an object</a:t>
             </a:r>
           </a:p>
@@ -7518,9 +7422,9 @@
             <a:fld id="{B49F73D2-EE90-4EF6-909D-0838ED85A4C0}" type="datetime4">
               <a:rPr lang="en-US" smtClean="0"/>
               <a:pPr/>
-              <a:t>September 11, 2025</a:t>
+              <a:t>October 1, 2025</a:t>
             </a:fld>
-            <a:endParaRPr lang="en-US" smtClean="0"/>
+            <a:endParaRPr lang="en-US"/>
           </a:p>
         </p:txBody>
       </p:sp>
@@ -7547,7 +7451,7 @@
           <a:lstStyle/>
           <a:p>
             <a:r>
-              <a:rPr lang="en-US" smtClean="0"/>
+              <a:rPr lang="en-US"/>
               <a:t>ICS426: Introduction</a:t>
             </a:r>
           </a:p>
@@ -7584,7 +7488,7 @@
               <a:pPr/>
               <a:t>2</a:t>
             </a:fld>
-            <a:endParaRPr lang="en-US" smtClean="0"/>
+            <a:endParaRPr lang="en-US"/>
           </a:p>
         </p:txBody>
       </p:sp>
@@ -7630,7 +7534,7 @@
           <a:p>
             <a:pPr algn="ctr"/>
             <a:r>
-              <a:rPr lang="en-US" b="1" dirty="0" smtClean="0">
+              <a:rPr lang="en-US" b="1" dirty="0">
                 <a:solidFill>
                   <a:srgbClr val="002060"/>
                 </a:solidFill>
@@ -7674,7 +7578,7 @@
               <a:buNone/>
             </a:pPr>
             <a:r>
-              <a:rPr lang="en-US" b="1" dirty="0" smtClean="0">
+              <a:rPr lang="en-US" b="1" dirty="0">
                 <a:solidFill>
                   <a:schemeClr val="tx1"/>
                 </a:solidFill>
@@ -7694,7 +7598,7 @@
               <a:buChar char="•"/>
             </a:pPr>
             <a:r>
-              <a:rPr lang="en-US" sz="2000" b="1" dirty="0" smtClean="0">
+              <a:rPr lang="en-US" sz="2000" b="1" dirty="0">
                 <a:solidFill>
                   <a:srgbClr val="002060"/>
                 </a:solidFill>
@@ -7714,7 +7618,7 @@
               <a:buChar char="ü"/>
             </a:pPr>
             <a:r>
-              <a:rPr lang="en-US" b="1" dirty="0" smtClean="0">
+              <a:rPr lang="en-US" b="1" dirty="0">
                 <a:solidFill>
                   <a:schemeClr val="tx1"/>
                 </a:solidFill>
@@ -7741,7 +7645,7 @@
               <a:buChar char="ü"/>
             </a:pPr>
             <a:r>
-              <a:rPr lang="en-US" b="1" dirty="0" smtClean="0">
+              <a:rPr lang="en-US" b="1" dirty="0">
                 <a:solidFill>
                   <a:schemeClr val="tx1"/>
                 </a:solidFill>
@@ -7785,7 +7689,7 @@
               <a:pPr>
                 <a:defRPr/>
               </a:pPr>
-              <a:t>September 11, 2025</a:t>
+              <a:t>October 1, 2025</a:t>
             </a:fld>
             <a:endParaRPr lang="en-US"/>
           </a:p>
@@ -7810,10 +7714,9 @@
               <a:defRPr/>
             </a:pPr>
             <a:r>
-              <a:rPr lang="en-US" smtClean="0"/>
+              <a:rPr lang="en-US"/>
               <a:t>ICS426: Introduction</a:t>
             </a:r>
-            <a:endParaRPr lang="en-US"/>
           </a:p>
         </p:txBody>
       </p:sp>
@@ -7822,13 +7725,6 @@
   <p:clrMapOvr>
     <a:masterClrMapping/>
   </p:clrMapOvr>
-  <p:timing>
-    <p:tnLst>
-      <p:par>
-        <p:cTn id="1" dur="indefinite" restart="never" nodeType="tmRoot"/>
-      </p:par>
-    </p:tnLst>
-  </p:timing>
 </p:sld>
 </file>
 
@@ -7866,7 +7762,7 @@
           <a:p>
             <a:pPr algn="ctr"/>
             <a:r>
-              <a:rPr lang="en-US" sz="3200" b="1" dirty="0" smtClean="0">
+              <a:rPr lang="en-US" sz="3200" b="1" dirty="0">
                 <a:solidFill>
                   <a:schemeClr val="tx1"/>
                 </a:solidFill>
@@ -7910,7 +7806,7 @@
               <a:pPr>
                 <a:defRPr/>
               </a:pPr>
-              <a:t>September 11, 2025</a:t>
+              <a:t>October 1, 2025</a:t>
             </a:fld>
             <a:endParaRPr lang="en-US"/>
           </a:p>
@@ -7935,10 +7831,9 @@
               <a:defRPr/>
             </a:pPr>
             <a:r>
-              <a:rPr lang="en-US" smtClean="0"/>
+              <a:rPr lang="en-US"/>
               <a:t>ICS426: Introduction</a:t>
             </a:r>
-            <a:endParaRPr lang="en-US"/>
           </a:p>
         </p:txBody>
       </p:sp>
@@ -7981,13 +7876,6 @@
   <p:clrMapOvr>
     <a:masterClrMapping/>
   </p:clrMapOvr>
-  <p:timing>
-    <p:tnLst>
-      <p:par>
-        <p:cTn id="1" dur="indefinite" restart="never" nodeType="tmRoot"/>
-      </p:par>
-    </p:tnLst>
-  </p:timing>
 </p:sld>
 </file>
 
@@ -8025,7 +7913,7 @@
           <a:p>
             <a:pPr algn="ctr"/>
             <a:r>
-              <a:rPr lang="en-US" b="1" dirty="0" smtClean="0">
+              <a:rPr lang="en-US" b="1" dirty="0">
                 <a:solidFill>
                   <a:schemeClr val="tx1"/>
                 </a:solidFill>
@@ -8069,7 +7957,7 @@
               <a:pPr>
                 <a:defRPr/>
               </a:pPr>
-              <a:t>September 11, 2025</a:t>
+              <a:t>October 1, 2025</a:t>
             </a:fld>
             <a:endParaRPr lang="en-US"/>
           </a:p>
@@ -8094,10 +7982,9 @@
               <a:defRPr/>
             </a:pPr>
             <a:r>
-              <a:rPr lang="en-US" smtClean="0"/>
+              <a:rPr lang="en-US"/>
               <a:t>ICS426: Introduction</a:t>
             </a:r>
-            <a:endParaRPr lang="en-US"/>
           </a:p>
         </p:txBody>
       </p:sp>
@@ -8140,13 +8027,6 @@
   <p:clrMapOvr>
     <a:masterClrMapping/>
   </p:clrMapOvr>
-  <p:timing>
-    <p:tnLst>
-      <p:par>
-        <p:cTn id="1" dur="indefinite" restart="never" nodeType="tmRoot"/>
-      </p:par>
-    </p:tnLst>
-  </p:timing>
 </p:sld>
 </file>
 
@@ -8183,7 +8063,7 @@
           <a:lstStyle/>
           <a:p>
             <a:r>
-              <a:rPr lang="en-US" b="1" dirty="0" smtClean="0">
+              <a:rPr lang="en-US" b="1" dirty="0">
                 <a:solidFill>
                   <a:schemeClr val="tx1"/>
                 </a:solidFill>
@@ -8223,7 +8103,7 @@
               <a:buNone/>
             </a:pPr>
             <a:r>
-              <a:rPr lang="en-US" dirty="0" smtClean="0"/>
+              <a:rPr lang="en-US" dirty="0"/>
               <a:t>To define a function outside the class:</a:t>
             </a:r>
           </a:p>
@@ -8236,7 +8116,7 @@
               <a:buAutoNum type="arabicPeriod"/>
             </a:pPr>
             <a:r>
-              <a:rPr lang="en-US" b="1" dirty="0" smtClean="0"/>
+              <a:rPr lang="en-US" b="1" dirty="0"/>
               <a:t>Declare it inside the class </a:t>
             </a:r>
           </a:p>
@@ -8249,11 +8129,11 @@
               <a:buAutoNum type="arabicPeriod"/>
             </a:pPr>
             <a:r>
-              <a:rPr lang="en-US" b="1" dirty="0" smtClean="0"/>
+              <a:rPr lang="en-US" b="1" dirty="0"/>
               <a:t>Define it outside of the class</a:t>
             </a:r>
             <a:r>
-              <a:rPr lang="en-US" dirty="0" smtClean="0"/>
+              <a:rPr lang="en-US" dirty="0"/>
               <a:t>. </a:t>
             </a:r>
           </a:p>
@@ -8264,31 +8144,31 @@
               </a:lnSpc>
             </a:pPr>
             <a:r>
-              <a:rPr lang="en-US" dirty="0" smtClean="0"/>
+              <a:rPr lang="en-US" dirty="0"/>
               <a:t>This is done by </a:t>
             </a:r>
             <a:r>
-              <a:rPr lang="en-US" b="1" dirty="0" err="1" smtClean="0"/>
+              <a:rPr lang="en-US" b="1" dirty="0" err="1"/>
               <a:t>specifiying</a:t>
             </a:r>
             <a:r>
-              <a:rPr lang="en-US" b="1" dirty="0" smtClean="0"/>
+              <a:rPr lang="en-US" b="1" dirty="0"/>
               <a:t> the </a:t>
             </a:r>
             <a:r>
-              <a:rPr lang="en-US" b="1" u="sng" dirty="0" smtClean="0"/>
+              <a:rPr lang="en-US" b="1" u="sng" dirty="0"/>
               <a:t>name of the class</a:t>
             </a:r>
             <a:r>
-              <a:rPr lang="en-US" b="1" dirty="0" smtClean="0"/>
+              <a:rPr lang="en-US" b="1" dirty="0"/>
               <a:t>, </a:t>
             </a:r>
             <a:r>
-              <a:rPr lang="en-US" b="1" u="sng" dirty="0" smtClean="0"/>
+              <a:rPr lang="en-US" b="1" u="sng" dirty="0"/>
               <a:t>followed the scope resolution </a:t>
             </a:r>
             <a:r>
-              <a:rPr lang="en-US" b="1" u="sng" dirty="0" smtClean="0">
+              <a:rPr lang="en-US" b="1" u="sng" dirty="0">
                 <a:solidFill>
                   <a:srgbClr val="FF0000"/>
                 </a:solidFill>
@@ -8296,18 +8176,18 @@
               <a:t>:: operator</a:t>
             </a:r>
             <a:r>
-              <a:rPr lang="en-US" b="1" u="sng" dirty="0" smtClean="0"/>
+              <a:rPr lang="en-US" b="1" u="sng" dirty="0"/>
               <a:t>, followed by the name of the functio</a:t>
             </a:r>
             <a:r>
-              <a:rPr lang="en-US" u="sng" dirty="0" smtClean="0"/>
+              <a:rPr lang="en-US" u="sng" dirty="0"/>
               <a:t>n</a:t>
             </a:r>
             <a:r>
-              <a:rPr lang="en-US" dirty="0" smtClean="0"/>
+              <a:rPr lang="en-US" dirty="0"/>
               <a:t>:</a:t>
             </a:r>
-            <a:endParaRPr lang="ar-SA" dirty="0" smtClean="0"/>
+            <a:endParaRPr lang="ar-SA" dirty="0"/>
           </a:p>
           <a:p>
             <a:endParaRPr lang="ar-SA" dirty="0"/>
@@ -8337,7 +8217,7 @@
               <a:pPr>
                 <a:defRPr/>
               </a:pPr>
-              <a:t>September 11, 2025</a:t>
+              <a:t>October 1, 2025</a:t>
             </a:fld>
             <a:endParaRPr lang="en-US"/>
           </a:p>
@@ -8362,10 +8242,9 @@
               <a:defRPr/>
             </a:pPr>
             <a:r>
-              <a:rPr lang="en-US" smtClean="0"/>
+              <a:rPr lang="en-US"/>
               <a:t>ICS426: Introduction</a:t>
             </a:r>
-            <a:endParaRPr lang="en-US"/>
           </a:p>
         </p:txBody>
       </p:sp>
@@ -8374,13 +8253,6 @@
   <p:clrMapOvr>
     <a:masterClrMapping/>
   </p:clrMapOvr>
-  <p:timing>
-    <p:tnLst>
-      <p:par>
-        <p:cTn id="1" dur="indefinite" restart="never" nodeType="tmRoot"/>
-      </p:par>
-    </p:tnLst>
-  </p:timing>
 </p:sld>
 </file>
 
@@ -8417,7 +8289,7 @@
           <a:lstStyle/>
           <a:p>
             <a:r>
-              <a:rPr lang="en-US" b="1" dirty="0" smtClean="0">
+              <a:rPr lang="en-US" b="1" dirty="0">
                 <a:solidFill>
                   <a:schemeClr val="tx1"/>
                 </a:solidFill>
@@ -8458,7 +8330,7 @@
               <a:pPr>
                 <a:defRPr/>
               </a:pPr>
-              <a:t>September 11, 2025</a:t>
+              <a:t>October 1, 2025</a:t>
             </a:fld>
             <a:endParaRPr lang="en-US"/>
           </a:p>
@@ -8483,10 +8355,9 @@
               <a:defRPr/>
             </a:pPr>
             <a:r>
-              <a:rPr lang="en-US" smtClean="0"/>
+              <a:rPr lang="en-US"/>
               <a:t>ICS426: Introduction</a:t>
             </a:r>
-            <a:endParaRPr lang="en-US"/>
           </a:p>
         </p:txBody>
       </p:sp>
@@ -8528,13 +8399,6 @@
   <p:clrMapOvr>
     <a:masterClrMapping/>
   </p:clrMapOvr>
-  <p:timing>
-    <p:tnLst>
-      <p:par>
-        <p:cTn id="1" dur="indefinite" restart="never" nodeType="tmRoot"/>
-      </p:par>
-    </p:tnLst>
-  </p:timing>
 </p:sld>
 </file>
 
@@ -9082,22 +8946,7 @@
                   </a:outerShdw>
                 </a:effectLst>
               </a:rPr>
-              <a:t>Function Inside </a:t>
-            </a:r>
-            <a:r>
-              <a:rPr lang="en-US" b="1" dirty="0" smtClean="0">
-                <a:solidFill>
-                  <a:srgbClr val="C00000"/>
-                </a:solidFill>
-                <a:effectLst>
-                  <a:outerShdw blurRad="38100" dist="38100" dir="2700000" algn="tl">
-                    <a:srgbClr val="000000">
-                      <a:alpha val="43137"/>
-                    </a:srgbClr>
-                  </a:outerShdw>
-                </a:effectLst>
-              </a:rPr>
-              <a:t>class</a:t>
+              <a:t>Function Inside class</a:t>
             </a:r>
             <a:endParaRPr lang="ar-SA" b="1" dirty="0">
               <a:solidFill>
@@ -9163,22 +9012,7 @@
                   </a:outerShdw>
                 </a:effectLst>
               </a:rPr>
-              <a:t>Function Outside </a:t>
-            </a:r>
-            <a:r>
-              <a:rPr lang="en-US" b="1" dirty="0" smtClean="0">
-                <a:solidFill>
-                  <a:srgbClr val="C00000"/>
-                </a:solidFill>
-                <a:effectLst>
-                  <a:outerShdw blurRad="38100" dist="38100" dir="2700000" algn="tl">
-                    <a:srgbClr val="000000">
-                      <a:alpha val="43137"/>
-                    </a:srgbClr>
-                  </a:outerShdw>
-                </a:effectLst>
-              </a:rPr>
-              <a:t>class</a:t>
+              <a:t>Function Outside class</a:t>
             </a:r>
             <a:endParaRPr lang="ar-SA" b="1" dirty="0">
               <a:solidFill>
@@ -9198,7 +9032,7 @@
     </p:spTree>
     <p:extLst>
       <p:ext uri="{BB962C8B-B14F-4D97-AF65-F5344CB8AC3E}">
-        <p14:creationId xmlns="" xmlns:p14="http://schemas.microsoft.com/office/powerpoint/2010/main" val="1089263706"/>
+        <p14:creationId xmlns:p14="http://schemas.microsoft.com/office/powerpoint/2010/main" val="1089263706"/>
       </p:ext>
     </p:extLst>
   </p:cSld>
@@ -9286,7 +9120,7 @@
               <a:pPr>
                 <a:defRPr/>
               </a:pPr>
-              <a:t>September 11, 2025</a:t>
+              <a:t>October 1, 2025</a:t>
             </a:fld>
             <a:endParaRPr lang="en-US"/>
           </a:p>
@@ -9311,10 +9145,9 @@
               <a:defRPr/>
             </a:pPr>
             <a:r>
-              <a:rPr lang="en-US" smtClean="0"/>
+              <a:rPr lang="en-US"/>
               <a:t>ICS426: Introduction</a:t>
             </a:r>
-            <a:endParaRPr lang="en-US"/>
           </a:p>
         </p:txBody>
       </p:sp>
@@ -9323,13 +9156,6 @@
   <p:clrMapOvr>
     <a:masterClrMapping/>
   </p:clrMapOvr>
-  <p:timing>
-    <p:tnLst>
-      <p:par>
-        <p:cTn id="1" dur="indefinite" restart="never" nodeType="tmRoot"/>
-      </p:par>
-    </p:tnLst>
-  </p:timing>
 </p:sld>
 </file>
 
@@ -9367,7 +9193,7 @@
           <a:p>
             <a:pPr algn="ctr"/>
             <a:r>
-              <a:rPr lang="en-US" b="1" dirty="0" smtClean="0"/>
+              <a:rPr lang="en-US" b="1" dirty="0"/>
               <a:t>Why Do We Need Object-Oriented Programming?</a:t>
             </a:r>
             <a:endParaRPr lang="ar-SA" dirty="0"/>
@@ -9393,7 +9219,7 @@
               <a:buNone/>
             </a:pPr>
             <a:r>
-              <a:rPr lang="en-US" dirty="0" smtClean="0"/>
+              <a:rPr lang="en-US" dirty="0"/>
               <a:t>Object-Oriented Programming was developed because limitations were discovered in earlier approaches to programming. </a:t>
             </a:r>
           </a:p>
@@ -9402,7 +9228,7 @@
               <a:buNone/>
             </a:pPr>
             <a:r>
-              <a:rPr lang="en-US" dirty="0" smtClean="0"/>
+              <a:rPr lang="en-US" dirty="0"/>
               <a:t>To appreciate what OOP does, we need to understand what these limitations are and how they arose from traditional programming languages</a:t>
             </a:r>
             <a:endParaRPr lang="ar-SA" dirty="0"/>
@@ -9432,7 +9258,7 @@
               <a:pPr>
                 <a:defRPr/>
               </a:pPr>
-              <a:t>September 11, 2025</a:t>
+              <a:t>October 1, 2025</a:t>
             </a:fld>
             <a:endParaRPr lang="en-US"/>
           </a:p>
@@ -9457,10 +9283,9 @@
               <a:defRPr/>
             </a:pPr>
             <a:r>
-              <a:rPr lang="en-US" smtClean="0"/>
+              <a:rPr lang="en-US"/>
               <a:t>ICS426: Introduction</a:t>
             </a:r>
-            <a:endParaRPr lang="en-US"/>
           </a:p>
         </p:txBody>
       </p:sp>
@@ -9506,10 +9331,10 @@
           <a:p>
             <a:pPr algn="ctr"/>
             <a:r>
-              <a:rPr lang="en-US" b="1" dirty="0" smtClean="0"/>
+              <a:rPr lang="en-US" b="1" dirty="0"/>
               <a:t>Procedural Languages</a:t>
             </a:r>
-            <a:endParaRPr lang="ar-SA" b="1" dirty="0" smtClean="0"/>
+            <a:endParaRPr lang="ar-SA" b="1" dirty="0"/>
           </a:p>
         </p:txBody>
       </p:sp>
@@ -9529,29 +9354,29 @@
           <a:lstStyle/>
           <a:p>
             <a:r>
-              <a:rPr lang="en-US" dirty="0" smtClean="0"/>
+              <a:rPr lang="en-US" dirty="0"/>
               <a:t>C, Pascal, FORTRAN, and similar languages are </a:t>
             </a:r>
             <a:r>
-              <a:rPr lang="en-US" i="1" dirty="0" smtClean="0"/>
+              <a:rPr lang="en-US" i="1" dirty="0"/>
               <a:t>procedural languages</a:t>
             </a:r>
           </a:p>
           <a:p>
-            <a:endParaRPr lang="en-US" i="1" dirty="0" smtClean="0"/>
-          </a:p>
-          <a:p>
-            <a:r>
-              <a:rPr lang="en-US" dirty="0" smtClean="0"/>
+            <a:endParaRPr lang="en-US" i="1" dirty="0"/>
+          </a:p>
+          <a:p>
+            <a:r>
+              <a:rPr lang="en-US" dirty="0"/>
               <a:t>A program in a procedural language is a list of instructions</a:t>
             </a:r>
           </a:p>
           <a:p>
-            <a:endParaRPr lang="en-US" dirty="0" smtClean="0"/>
-          </a:p>
-          <a:p>
-            <a:r>
-              <a:rPr lang="en-US" dirty="0" smtClean="0"/>
+            <a:endParaRPr lang="en-US" dirty="0"/>
+          </a:p>
+          <a:p>
+            <a:r>
+              <a:rPr lang="en-US" dirty="0"/>
               <a:t>For very small programs, no other organizing principle is needed</a:t>
             </a:r>
             <a:endParaRPr lang="ar-SA" dirty="0"/>
@@ -9581,7 +9406,7 @@
               <a:pPr>
                 <a:defRPr/>
               </a:pPr>
-              <a:t>September 11, 2025</a:t>
+              <a:t>October 1, 2025</a:t>
             </a:fld>
             <a:endParaRPr lang="en-US"/>
           </a:p>
@@ -9606,10 +9431,9 @@
               <a:defRPr/>
             </a:pPr>
             <a:r>
-              <a:rPr lang="en-US" smtClean="0"/>
+              <a:rPr lang="en-US"/>
               <a:t>ICS426: Introduction</a:t>
             </a:r>
-            <a:endParaRPr lang="en-US"/>
           </a:p>
         </p:txBody>
       </p:sp>
@@ -9655,10 +9479,10 @@
           <a:p>
             <a:pPr algn="ctr"/>
             <a:r>
-              <a:rPr lang="en-US" b="1" dirty="0" smtClean="0"/>
+              <a:rPr lang="en-US" b="1" dirty="0"/>
               <a:t>Procedural Languages</a:t>
             </a:r>
-            <a:endParaRPr lang="ar-SA" b="1" dirty="0" smtClean="0"/>
+            <a:endParaRPr lang="ar-SA" b="1" dirty="0"/>
           </a:p>
         </p:txBody>
       </p:sp>
@@ -9678,30 +9502,30 @@
           <a:lstStyle/>
           <a:p>
             <a:r>
-              <a:rPr lang="en-US" sz="2800" dirty="0" smtClean="0"/>
+              <a:rPr lang="en-US" sz="2800" dirty="0"/>
               <a:t>When programs become larger</a:t>
             </a:r>
           </a:p>
           <a:p>
-            <a:endParaRPr lang="en-US" sz="2800" dirty="0" smtClean="0"/>
-          </a:p>
-          <a:p>
-            <a:r>
-              <a:rPr lang="en-US" sz="2800" dirty="0" smtClean="0"/>
+            <a:endParaRPr lang="en-US" sz="2800" dirty="0"/>
+          </a:p>
+          <a:p>
+            <a:r>
+              <a:rPr lang="en-US" sz="2800" dirty="0"/>
               <a:t>A procedural program is divided into functions, each function has </a:t>
             </a:r>
           </a:p>
           <a:p>
             <a:pPr lvl="1"/>
             <a:r>
-              <a:rPr lang="en-US" sz="2400" dirty="0" smtClean="0"/>
+              <a:rPr lang="en-US" sz="2400" dirty="0"/>
               <a:t>a clearly defined purpose and </a:t>
             </a:r>
           </a:p>
           <a:p>
             <a:pPr lvl="1"/>
             <a:r>
-              <a:rPr lang="en-US" sz="2400" dirty="0" smtClean="0"/>
+              <a:rPr lang="en-US" sz="2400" dirty="0"/>
               <a:t>a clearly defined interface to the other functions in the program.</a:t>
             </a:r>
             <a:endParaRPr lang="ar-SA" sz="2400" dirty="0"/>
@@ -9731,7 +9555,7 @@
               <a:pPr>
                 <a:defRPr/>
               </a:pPr>
-              <a:t>September 11, 2025</a:t>
+              <a:t>October 1, 2025</a:t>
             </a:fld>
             <a:endParaRPr lang="en-US"/>
           </a:p>
@@ -9756,10 +9580,9 @@
               <a:defRPr/>
             </a:pPr>
             <a:r>
-              <a:rPr lang="en-US" smtClean="0"/>
+              <a:rPr lang="en-US"/>
               <a:t>ICS426: Introduction</a:t>
             </a:r>
-            <a:endParaRPr lang="en-US"/>
           </a:p>
         </p:txBody>
       </p:sp>
@@ -9805,10 +9628,10 @@
           <a:p>
             <a:pPr algn="ctr"/>
             <a:r>
-              <a:rPr lang="en-US" b="1" dirty="0" smtClean="0"/>
+              <a:rPr lang="en-US" b="1" dirty="0"/>
               <a:t>Problems with Structured Programming</a:t>
             </a:r>
-            <a:endParaRPr lang="ar-SA" b="1" dirty="0" smtClean="0"/>
+            <a:endParaRPr lang="ar-SA" b="1" dirty="0"/>
           </a:p>
         </p:txBody>
       </p:sp>
@@ -9831,7 +9654,7 @@
               <a:buNone/>
             </a:pPr>
             <a:r>
-              <a:rPr lang="en-US" b="1" dirty="0" smtClean="0"/>
+              <a:rPr lang="en-US" b="1" dirty="0"/>
               <a:t>As programs grow ever larger and more complex many problems may occur </a:t>
             </a:r>
           </a:p>
@@ -9842,7 +9665,7 @@
               </a:lnSpc>
             </a:pPr>
             <a:r>
-              <a:rPr lang="en-US" b="1" dirty="0" smtClean="0"/>
+              <a:rPr lang="en-US" b="1" dirty="0"/>
               <a:t>The project is too complex</a:t>
             </a:r>
           </a:p>
@@ -9853,11 +9676,11 @@
               </a:lnSpc>
             </a:pPr>
             <a:r>
-              <a:rPr lang="en-US" b="1" smtClean="0"/>
+              <a:rPr lang="en-US" b="1"/>
               <a:t>more </a:t>
             </a:r>
             <a:r>
-              <a:rPr lang="en-US" b="1" dirty="0" smtClean="0"/>
+              <a:rPr lang="en-US" b="1" dirty="0"/>
               <a:t>programmers are added </a:t>
             </a:r>
           </a:p>
@@ -9868,7 +9691,7 @@
               </a:lnSpc>
             </a:pPr>
             <a:r>
-              <a:rPr lang="en-US" b="1" dirty="0" smtClean="0"/>
+              <a:rPr lang="en-US" b="1" dirty="0"/>
               <a:t>complexity increases</a:t>
             </a:r>
           </a:p>
@@ -9879,7 +9702,7 @@
               </a:lnSpc>
             </a:pPr>
             <a:r>
-              <a:rPr lang="en-US" b="1" dirty="0" smtClean="0"/>
+              <a:rPr lang="en-US" b="1" dirty="0"/>
               <a:t>……..</a:t>
             </a:r>
             <a:endParaRPr lang="ar-SA" b="1" dirty="0"/>
@@ -9909,7 +9732,7 @@
               <a:pPr>
                 <a:defRPr/>
               </a:pPr>
-              <a:t>September 11, 2025</a:t>
+              <a:t>October 1, 2025</a:t>
             </a:fld>
             <a:endParaRPr lang="en-US"/>
           </a:p>
@@ -9934,10 +9757,9 @@
               <a:defRPr/>
             </a:pPr>
             <a:r>
-              <a:rPr lang="en-US" smtClean="0"/>
+              <a:rPr lang="en-US"/>
               <a:t>ICS426: Introduction</a:t>
             </a:r>
-            <a:endParaRPr lang="en-US"/>
           </a:p>
         </p:txBody>
       </p:sp>
@@ -9983,10 +9805,10 @@
           <a:p>
             <a:pPr algn="ctr"/>
             <a:r>
-              <a:rPr lang="en-US" b="1" dirty="0" smtClean="0"/>
+              <a:rPr lang="en-US" b="1" dirty="0"/>
               <a:t>Problems with Structured Programming</a:t>
             </a:r>
-            <a:endParaRPr lang="ar-SA" b="1" dirty="0" smtClean="0"/>
+            <a:endParaRPr lang="ar-SA" b="1" dirty="0"/>
           </a:p>
         </p:txBody>
       </p:sp>
@@ -10009,19 +9831,19 @@
               <a:buNone/>
             </a:pPr>
             <a:r>
-              <a:rPr lang="en-US" dirty="0" smtClean="0"/>
+              <a:rPr lang="en-US" dirty="0"/>
               <a:t>There are two related problems. </a:t>
             </a:r>
           </a:p>
           <a:p>
             <a:r>
-              <a:rPr lang="en-US" dirty="0" smtClean="0"/>
+              <a:rPr lang="en-US" dirty="0"/>
               <a:t>First, functions have unrestricted access to global data.</a:t>
             </a:r>
           </a:p>
           <a:p>
             <a:r>
-              <a:rPr lang="en-US" dirty="0" smtClean="0"/>
+              <a:rPr lang="en-US" dirty="0"/>
               <a:t> Second, unrelated functions and data provide a poor model of the real world.</a:t>
             </a:r>
             <a:endParaRPr lang="ar-SA" dirty="0"/>
@@ -10051,7 +9873,7 @@
               <a:pPr>
                 <a:defRPr/>
               </a:pPr>
-              <a:t>September 11, 2025</a:t>
+              <a:t>October 1, 2025</a:t>
             </a:fld>
             <a:endParaRPr lang="en-US"/>
           </a:p>
@@ -10076,10 +9898,9 @@
               <a:defRPr/>
             </a:pPr>
             <a:r>
-              <a:rPr lang="en-US" smtClean="0"/>
+              <a:rPr lang="en-US"/>
               <a:t>ICS426: Introduction</a:t>
             </a:r>
-            <a:endParaRPr lang="en-US"/>
           </a:p>
         </p:txBody>
       </p:sp>
@@ -10124,10 +9945,10 @@
           <a:lstStyle/>
           <a:p>
             <a:r>
-              <a:rPr lang="en-US" b="1" dirty="0" smtClean="0"/>
+              <a:rPr lang="en-US" b="1" dirty="0"/>
               <a:t>Problems with Structured Programming</a:t>
             </a:r>
-            <a:endParaRPr lang="ar-SA" b="1" dirty="0" smtClean="0"/>
+            <a:endParaRPr lang="ar-SA" b="1" dirty="0"/>
           </a:p>
         </p:txBody>
       </p:sp>
@@ -10152,19 +9973,19 @@
           <a:lstStyle/>
           <a:p>
             <a:r>
-              <a:rPr lang="en-US" b="1" dirty="0" smtClean="0"/>
+              <a:rPr lang="en-US" b="1" dirty="0"/>
               <a:t>Unrestricted Access: </a:t>
             </a:r>
             <a:r>
-              <a:rPr lang="en-US" dirty="0" smtClean="0"/>
+              <a:rPr lang="en-US" dirty="0"/>
               <a:t>Global data can be accessed by </a:t>
             </a:r>
             <a:r>
-              <a:rPr lang="en-US" i="1" dirty="0" smtClean="0"/>
+              <a:rPr lang="en-US" i="1" dirty="0"/>
               <a:t>any</a:t>
             </a:r>
             <a:r>
-              <a:rPr lang="en-US" dirty="0" smtClean="0"/>
+              <a:rPr lang="en-US" dirty="0"/>
               <a:t> function in the program</a:t>
             </a:r>
             <a:endParaRPr lang="ar-SA" dirty="0"/>
@@ -10194,7 +10015,7 @@
               <a:pPr>
                 <a:defRPr/>
               </a:pPr>
-              <a:t>September 11, 2025</a:t>
+              <a:t>October 1, 2025</a:t>
             </a:fld>
             <a:endParaRPr lang="en-US"/>
           </a:p>
@@ -10219,10 +10040,9 @@
               <a:defRPr/>
             </a:pPr>
             <a:r>
-              <a:rPr lang="en-US" smtClean="0"/>
+              <a:rPr lang="en-US"/>
               <a:t>ICS426: Introduction</a:t>
             </a:r>
-            <a:endParaRPr lang="en-US"/>
           </a:p>
         </p:txBody>
       </p:sp>
@@ -10301,10 +10121,10 @@
           <a:lstStyle/>
           <a:p>
             <a:r>
-              <a:rPr lang="en-US" b="1" dirty="0" smtClean="0"/>
+              <a:rPr lang="en-US" b="1" dirty="0"/>
               <a:t>Problems with Structured Programming</a:t>
             </a:r>
-            <a:endParaRPr lang="ar-SA" b="1" dirty="0" smtClean="0"/>
+            <a:endParaRPr lang="ar-SA" b="1" dirty="0"/>
           </a:p>
         </p:txBody>
       </p:sp>
@@ -10324,7 +10144,7 @@
           <a:lstStyle/>
           <a:p>
             <a:r>
-              <a:rPr lang="en-US" b="1" dirty="0" smtClean="0"/>
+              <a:rPr lang="en-US" b="1" dirty="0"/>
               <a:t>The procedural paradigm</a:t>
             </a:r>
           </a:p>
@@ -10356,7 +10176,7 @@
               <a:pPr>
                 <a:defRPr/>
               </a:pPr>
-              <a:t>September 11, 2025</a:t>
+              <a:t>October 1, 2025</a:t>
             </a:fld>
             <a:endParaRPr lang="en-US"/>
           </a:p>
@@ -10381,10 +10201,9 @@
               <a:defRPr/>
             </a:pPr>
             <a:r>
-              <a:rPr lang="en-US" smtClean="0"/>
+              <a:rPr lang="en-US"/>
               <a:t>ICS426: Introduction</a:t>
             </a:r>
-            <a:endParaRPr lang="en-US"/>
           </a:p>
         </p:txBody>
       </p:sp>
@@ -10680,7 +10499,7 @@
         <a:effectLst/>
         <a:extLst>
           <a:ext uri="{AF507438-7753-43E0-B8FC-AC1667EBCBE1}">
-            <a14:hiddenEffects xmlns:a14="http://schemas.microsoft.com/office/drawing/2010/main" xmlns="">
+            <a14:hiddenEffects xmlns:a14="http://schemas.microsoft.com/office/drawing/2010/main">
               <a:effectLst>
                 <a:outerShdw dist="35921" dir="2700000" algn="ctr" rotWithShape="0">
                   <a:schemeClr val="bg2"/>
@@ -10753,7 +10572,7 @@
         <a:effectLst/>
         <a:extLst>
           <a:ext uri="{AF507438-7753-43E0-B8FC-AC1667EBCBE1}">
-            <a14:hiddenEffects xmlns:a14="http://schemas.microsoft.com/office/drawing/2010/main" xmlns="">
+            <a14:hiddenEffects xmlns:a14="http://schemas.microsoft.com/office/drawing/2010/main">
               <a:effectLst>
                 <a:outerShdw dist="35921" dir="2700000" algn="ctr" rotWithShape="0">
                   <a:schemeClr val="bg2"/>
